--- a/Windows/Figures/Editing_Figure4.pptx
+++ b/Windows/Figures/Editing_Figure4.pptx
@@ -7,14 +7,14 @@
   <p:sldIdLst>
     <p:sldId id="256" r:id="rId2"/>
   </p:sldIdLst>
-  <p:sldSz cx="12192000" cy="6119813"/>
+  <p:sldSz cx="4319588" cy="8640763"/>
   <p:notesSz cx="6858000" cy="9144000"/>
   <p:defaultTextStyle>
     <a:defPPr>
       <a:defRPr lang="es-MX"/>
     </a:defPPr>
-    <a:lvl1pPr marL="0" algn="l" defTabSz="914175" rtl="0" eaLnBrk="1" latinLnBrk="0" hangingPunct="1">
-      <a:defRPr sz="1800" kern="1200">
+    <a:lvl1pPr marL="0" algn="l" defTabSz="622066" rtl="0" eaLnBrk="1" latinLnBrk="0" hangingPunct="1">
+      <a:defRPr sz="1225" kern="1200">
         <a:solidFill>
           <a:schemeClr val="tx1"/>
         </a:solidFill>
@@ -23,8 +23,8 @@
         <a:cs typeface="+mn-cs"/>
       </a:defRPr>
     </a:lvl1pPr>
-    <a:lvl2pPr marL="457087" algn="l" defTabSz="914175" rtl="0" eaLnBrk="1" latinLnBrk="0" hangingPunct="1">
-      <a:defRPr sz="1800" kern="1200">
+    <a:lvl2pPr marL="311033" algn="l" defTabSz="622066" rtl="0" eaLnBrk="1" latinLnBrk="0" hangingPunct="1">
+      <a:defRPr sz="1225" kern="1200">
         <a:solidFill>
           <a:schemeClr val="tx1"/>
         </a:solidFill>
@@ -33,8 +33,8 @@
         <a:cs typeface="+mn-cs"/>
       </a:defRPr>
     </a:lvl2pPr>
-    <a:lvl3pPr marL="914175" algn="l" defTabSz="914175" rtl="0" eaLnBrk="1" latinLnBrk="0" hangingPunct="1">
-      <a:defRPr sz="1800" kern="1200">
+    <a:lvl3pPr marL="622066" algn="l" defTabSz="622066" rtl="0" eaLnBrk="1" latinLnBrk="0" hangingPunct="1">
+      <a:defRPr sz="1225" kern="1200">
         <a:solidFill>
           <a:schemeClr val="tx1"/>
         </a:solidFill>
@@ -43,8 +43,8 @@
         <a:cs typeface="+mn-cs"/>
       </a:defRPr>
     </a:lvl3pPr>
-    <a:lvl4pPr marL="1371262" algn="l" defTabSz="914175" rtl="0" eaLnBrk="1" latinLnBrk="0" hangingPunct="1">
-      <a:defRPr sz="1800" kern="1200">
+    <a:lvl4pPr marL="933099" algn="l" defTabSz="622066" rtl="0" eaLnBrk="1" latinLnBrk="0" hangingPunct="1">
+      <a:defRPr sz="1225" kern="1200">
         <a:solidFill>
           <a:schemeClr val="tx1"/>
         </a:solidFill>
@@ -53,8 +53,8 @@
         <a:cs typeface="+mn-cs"/>
       </a:defRPr>
     </a:lvl4pPr>
-    <a:lvl5pPr marL="1828350" algn="l" defTabSz="914175" rtl="0" eaLnBrk="1" latinLnBrk="0" hangingPunct="1">
-      <a:defRPr sz="1800" kern="1200">
+    <a:lvl5pPr marL="1244133" algn="l" defTabSz="622066" rtl="0" eaLnBrk="1" latinLnBrk="0" hangingPunct="1">
+      <a:defRPr sz="1225" kern="1200">
         <a:solidFill>
           <a:schemeClr val="tx1"/>
         </a:solidFill>
@@ -63,8 +63,8 @@
         <a:cs typeface="+mn-cs"/>
       </a:defRPr>
     </a:lvl5pPr>
-    <a:lvl6pPr marL="2285436" algn="l" defTabSz="914175" rtl="0" eaLnBrk="1" latinLnBrk="0" hangingPunct="1">
-      <a:defRPr sz="1800" kern="1200">
+    <a:lvl6pPr marL="1555166" algn="l" defTabSz="622066" rtl="0" eaLnBrk="1" latinLnBrk="0" hangingPunct="1">
+      <a:defRPr sz="1225" kern="1200">
         <a:solidFill>
           <a:schemeClr val="tx1"/>
         </a:solidFill>
@@ -73,8 +73,8 @@
         <a:cs typeface="+mn-cs"/>
       </a:defRPr>
     </a:lvl6pPr>
-    <a:lvl7pPr marL="2742524" algn="l" defTabSz="914175" rtl="0" eaLnBrk="1" latinLnBrk="0" hangingPunct="1">
-      <a:defRPr sz="1800" kern="1200">
+    <a:lvl7pPr marL="1866199" algn="l" defTabSz="622066" rtl="0" eaLnBrk="1" latinLnBrk="0" hangingPunct="1">
+      <a:defRPr sz="1225" kern="1200">
         <a:solidFill>
           <a:schemeClr val="tx1"/>
         </a:solidFill>
@@ -83,8 +83,8 @@
         <a:cs typeface="+mn-cs"/>
       </a:defRPr>
     </a:lvl7pPr>
-    <a:lvl8pPr marL="3199611" algn="l" defTabSz="914175" rtl="0" eaLnBrk="1" latinLnBrk="0" hangingPunct="1">
-      <a:defRPr sz="1800" kern="1200">
+    <a:lvl8pPr marL="2177232" algn="l" defTabSz="622066" rtl="0" eaLnBrk="1" latinLnBrk="0" hangingPunct="1">
+      <a:defRPr sz="1225" kern="1200">
         <a:solidFill>
           <a:schemeClr val="tx1"/>
         </a:solidFill>
@@ -93,8 +93,8 @@
         <a:cs typeface="+mn-cs"/>
       </a:defRPr>
     </a:lvl8pPr>
-    <a:lvl9pPr marL="3656698" algn="l" defTabSz="914175" rtl="0" eaLnBrk="1" latinLnBrk="0" hangingPunct="1">
-      <a:defRPr sz="1800" kern="1200">
+    <a:lvl9pPr marL="2488265" algn="l" defTabSz="622066" rtl="0" eaLnBrk="1" latinLnBrk="0" hangingPunct="1">
+      <a:defRPr sz="1225" kern="1200">
         <a:solidFill>
           <a:schemeClr val="tx1"/>
         </a:solidFill>
@@ -141,15 +141,15 @@
         </p:nvSpPr>
         <p:spPr>
           <a:xfrm>
-            <a:off x="1524000" y="1001553"/>
-            <a:ext cx="9144000" cy="2130602"/>
+            <a:off x="323969" y="1414125"/>
+            <a:ext cx="3671650" cy="3008266"/>
           </a:xfrm>
         </p:spPr>
         <p:txBody>
           <a:bodyPr anchor="b"/>
           <a:lstStyle>
             <a:lvl1pPr algn="ctr">
-              <a:defRPr sz="5354"/>
+              <a:defRPr sz="2834"/>
             </a:lvl1pPr>
           </a:lstStyle>
           <a:p>
@@ -173,8 +173,8 @@
         </p:nvSpPr>
         <p:spPr>
           <a:xfrm>
-            <a:off x="1524000" y="3214319"/>
-            <a:ext cx="9144000" cy="1477538"/>
+            <a:off x="539949" y="4538401"/>
+            <a:ext cx="3239691" cy="2086184"/>
           </a:xfrm>
         </p:spPr>
         <p:txBody>
@@ -182,39 +182,39 @@
           <a:lstStyle>
             <a:lvl1pPr marL="0" indent="0" algn="ctr">
               <a:buNone/>
-              <a:defRPr sz="2142"/>
+              <a:defRPr sz="1134"/>
             </a:lvl1pPr>
-            <a:lvl2pPr marL="408005" indent="0" algn="ctr">
-              <a:buNone/>
-              <a:defRPr sz="1785"/>
+            <a:lvl2pPr marL="215981" indent="0" algn="ctr">
+              <a:buNone/>
+              <a:defRPr sz="945"/>
             </a:lvl2pPr>
-            <a:lvl3pPr marL="816011" indent="0" algn="ctr">
-              <a:buNone/>
-              <a:defRPr sz="1606"/>
+            <a:lvl3pPr marL="431963" indent="0" algn="ctr">
+              <a:buNone/>
+              <a:defRPr sz="850"/>
             </a:lvl3pPr>
-            <a:lvl4pPr marL="1224016" indent="0" algn="ctr">
-              <a:buNone/>
-              <a:defRPr sz="1428"/>
+            <a:lvl4pPr marL="647944" indent="0" algn="ctr">
+              <a:buNone/>
+              <a:defRPr sz="756"/>
             </a:lvl4pPr>
-            <a:lvl5pPr marL="1632021" indent="0" algn="ctr">
-              <a:buNone/>
-              <a:defRPr sz="1428"/>
+            <a:lvl5pPr marL="863925" indent="0" algn="ctr">
+              <a:buNone/>
+              <a:defRPr sz="756"/>
             </a:lvl5pPr>
-            <a:lvl6pPr marL="2040026" indent="0" algn="ctr">
-              <a:buNone/>
-              <a:defRPr sz="1428"/>
+            <a:lvl6pPr marL="1079906" indent="0" algn="ctr">
+              <a:buNone/>
+              <a:defRPr sz="756"/>
             </a:lvl6pPr>
-            <a:lvl7pPr marL="2448032" indent="0" algn="ctr">
-              <a:buNone/>
-              <a:defRPr sz="1428"/>
+            <a:lvl7pPr marL="1295888" indent="0" algn="ctr">
+              <a:buNone/>
+              <a:defRPr sz="756"/>
             </a:lvl7pPr>
-            <a:lvl8pPr marL="2856037" indent="0" algn="ctr">
-              <a:buNone/>
-              <a:defRPr sz="1428"/>
+            <a:lvl8pPr marL="1511869" indent="0" algn="ctr">
+              <a:buNone/>
+              <a:defRPr sz="756"/>
             </a:lvl8pPr>
-            <a:lvl9pPr marL="3264042" indent="0" algn="ctr">
-              <a:buNone/>
-              <a:defRPr sz="1428"/>
+            <a:lvl9pPr marL="1727850" indent="0" algn="ctr">
+              <a:buNone/>
+              <a:defRPr sz="756"/>
             </a:lvl9pPr>
           </a:lstStyle>
           <a:p>
@@ -241,9 +241,9 @@
           <a:bodyPr/>
           <a:lstStyle/>
           <a:p>
-            <a:fld id="{A58B04F7-F471-4340-860B-568D342C6269}" type="datetimeFigureOut">
+            <a:fld id="{A4F7A466-0B4C-4C0F-803B-76CC4E5144BD}" type="datetimeFigureOut">
               <a:rPr lang="es-MX" smtClean="0"/>
-              <a:t>27/05/2022</a:t>
+              <a:t>28/05/2022</a:t>
             </a:fld>
             <a:endParaRPr lang="es-MX"/>
           </a:p>
@@ -283,7 +283,7 @@
           <a:bodyPr/>
           <a:lstStyle/>
           <a:p>
-            <a:fld id="{66CC36B8-9E3F-425B-85ED-60D9E1CB1753}" type="slidenum">
+            <a:fld id="{075FE36A-1376-4E84-B420-5CF5C5440797}" type="slidenum">
               <a:rPr lang="es-MX" smtClean="0"/>
               <a:t>‹Nº›</a:t>
             </a:fld>
@@ -294,7 +294,7 @@
     </p:spTree>
     <p:extLst>
       <p:ext uri="{BB962C8B-B14F-4D97-AF65-F5344CB8AC3E}">
-        <p14:creationId xmlns:p14="http://schemas.microsoft.com/office/powerpoint/2010/main" val="494338905"/>
+        <p14:creationId xmlns:p14="http://schemas.microsoft.com/office/powerpoint/2010/main" val="2536459419"/>
       </p:ext>
     </p:extLst>
   </p:cSld>
@@ -411,9 +411,9 @@
           <a:bodyPr/>
           <a:lstStyle/>
           <a:p>
-            <a:fld id="{A58B04F7-F471-4340-860B-568D342C6269}" type="datetimeFigureOut">
+            <a:fld id="{A4F7A466-0B4C-4C0F-803B-76CC4E5144BD}" type="datetimeFigureOut">
               <a:rPr lang="es-MX" smtClean="0"/>
-              <a:t>27/05/2022</a:t>
+              <a:t>28/05/2022</a:t>
             </a:fld>
             <a:endParaRPr lang="es-MX"/>
           </a:p>
@@ -453,7 +453,7 @@
           <a:bodyPr/>
           <a:lstStyle/>
           <a:p>
-            <a:fld id="{66CC36B8-9E3F-425B-85ED-60D9E1CB1753}" type="slidenum">
+            <a:fld id="{075FE36A-1376-4E84-B420-5CF5C5440797}" type="slidenum">
               <a:rPr lang="es-MX" smtClean="0"/>
               <a:t>‹Nº›</a:t>
             </a:fld>
@@ -464,7 +464,7 @@
     </p:spTree>
     <p:extLst>
       <p:ext uri="{BB962C8B-B14F-4D97-AF65-F5344CB8AC3E}">
-        <p14:creationId xmlns:p14="http://schemas.microsoft.com/office/powerpoint/2010/main" val="2577026761"/>
+        <p14:creationId xmlns:p14="http://schemas.microsoft.com/office/powerpoint/2010/main" val="3314025814"/>
       </p:ext>
     </p:extLst>
   </p:cSld>
@@ -503,8 +503,8 @@
         </p:nvSpPr>
         <p:spPr>
           <a:xfrm>
-            <a:off x="8724900" y="325823"/>
-            <a:ext cx="2628900" cy="5186259"/>
+            <a:off x="3091205" y="460041"/>
+            <a:ext cx="931411" cy="7322647"/>
           </a:xfrm>
         </p:spPr>
         <p:txBody>
@@ -531,8 +531,8 @@
         </p:nvSpPr>
         <p:spPr>
           <a:xfrm>
-            <a:off x="838200" y="325823"/>
-            <a:ext cx="7734300" cy="5186259"/>
+            <a:off x="296972" y="460041"/>
+            <a:ext cx="2740239" cy="7322647"/>
           </a:xfrm>
         </p:spPr>
         <p:txBody>
@@ -591,9 +591,9 @@
           <a:bodyPr/>
           <a:lstStyle/>
           <a:p>
-            <a:fld id="{A58B04F7-F471-4340-860B-568D342C6269}" type="datetimeFigureOut">
+            <a:fld id="{A4F7A466-0B4C-4C0F-803B-76CC4E5144BD}" type="datetimeFigureOut">
               <a:rPr lang="es-MX" smtClean="0"/>
-              <a:t>27/05/2022</a:t>
+              <a:t>28/05/2022</a:t>
             </a:fld>
             <a:endParaRPr lang="es-MX"/>
           </a:p>
@@ -633,7 +633,7 @@
           <a:bodyPr/>
           <a:lstStyle/>
           <a:p>
-            <a:fld id="{66CC36B8-9E3F-425B-85ED-60D9E1CB1753}" type="slidenum">
+            <a:fld id="{075FE36A-1376-4E84-B420-5CF5C5440797}" type="slidenum">
               <a:rPr lang="es-MX" smtClean="0"/>
               <a:t>‹Nº›</a:t>
             </a:fld>
@@ -644,7 +644,7 @@
     </p:spTree>
     <p:extLst>
       <p:ext uri="{BB962C8B-B14F-4D97-AF65-F5344CB8AC3E}">
-        <p14:creationId xmlns:p14="http://schemas.microsoft.com/office/powerpoint/2010/main" val="85373898"/>
+        <p14:creationId xmlns:p14="http://schemas.microsoft.com/office/powerpoint/2010/main" val="843307429"/>
       </p:ext>
     </p:extLst>
   </p:cSld>
@@ -761,9 +761,9 @@
           <a:bodyPr/>
           <a:lstStyle/>
           <a:p>
-            <a:fld id="{A58B04F7-F471-4340-860B-568D342C6269}" type="datetimeFigureOut">
+            <a:fld id="{A4F7A466-0B4C-4C0F-803B-76CC4E5144BD}" type="datetimeFigureOut">
               <a:rPr lang="es-MX" smtClean="0"/>
-              <a:t>27/05/2022</a:t>
+              <a:t>28/05/2022</a:t>
             </a:fld>
             <a:endParaRPr lang="es-MX"/>
           </a:p>
@@ -803,7 +803,7 @@
           <a:bodyPr/>
           <a:lstStyle/>
           <a:p>
-            <a:fld id="{66CC36B8-9E3F-425B-85ED-60D9E1CB1753}" type="slidenum">
+            <a:fld id="{075FE36A-1376-4E84-B420-5CF5C5440797}" type="slidenum">
               <a:rPr lang="es-MX" smtClean="0"/>
               <a:t>‹Nº›</a:t>
             </a:fld>
@@ -814,7 +814,7 @@
     </p:spTree>
     <p:extLst>
       <p:ext uri="{BB962C8B-B14F-4D97-AF65-F5344CB8AC3E}">
-        <p14:creationId xmlns:p14="http://schemas.microsoft.com/office/powerpoint/2010/main" val="1663442739"/>
+        <p14:creationId xmlns:p14="http://schemas.microsoft.com/office/powerpoint/2010/main" val="2116710685"/>
       </p:ext>
     </p:extLst>
   </p:cSld>
@@ -853,15 +853,15 @@
         </p:nvSpPr>
         <p:spPr>
           <a:xfrm>
-            <a:off x="831850" y="1525704"/>
-            <a:ext cx="10515600" cy="2545672"/>
+            <a:off x="294722" y="2154193"/>
+            <a:ext cx="3725645" cy="3594317"/>
           </a:xfrm>
         </p:spPr>
         <p:txBody>
           <a:bodyPr anchor="b"/>
           <a:lstStyle>
             <a:lvl1pPr>
-              <a:defRPr sz="5354"/>
+              <a:defRPr sz="2834"/>
             </a:lvl1pPr>
           </a:lstStyle>
           <a:p>
@@ -885,8 +885,8 @@
         </p:nvSpPr>
         <p:spPr>
           <a:xfrm>
-            <a:off x="831850" y="4095459"/>
-            <a:ext cx="10515600" cy="1338709"/>
+            <a:off x="294722" y="5782513"/>
+            <a:ext cx="3725645" cy="1890166"/>
           </a:xfrm>
         </p:spPr>
         <p:txBody>
@@ -894,17 +894,15 @@
           <a:lstStyle>
             <a:lvl1pPr marL="0" indent="0">
               <a:buNone/>
-              <a:defRPr sz="2142">
+              <a:defRPr sz="1134">
                 <a:solidFill>
-                  <a:schemeClr val="tx1">
-                    <a:tint val="75000"/>
-                  </a:schemeClr>
+                  <a:schemeClr val="tx1"/>
                 </a:solidFill>
               </a:defRPr>
             </a:lvl1pPr>
-            <a:lvl2pPr marL="408005" indent="0">
-              <a:buNone/>
-              <a:defRPr sz="1785">
+            <a:lvl2pPr marL="215981" indent="0">
+              <a:buNone/>
+              <a:defRPr sz="945">
                 <a:solidFill>
                   <a:schemeClr val="tx1">
                     <a:tint val="75000"/>
@@ -912,9 +910,9 @@
                 </a:solidFill>
               </a:defRPr>
             </a:lvl2pPr>
-            <a:lvl3pPr marL="816011" indent="0">
-              <a:buNone/>
-              <a:defRPr sz="1606">
+            <a:lvl3pPr marL="431963" indent="0">
+              <a:buNone/>
+              <a:defRPr sz="850">
                 <a:solidFill>
                   <a:schemeClr val="tx1">
                     <a:tint val="75000"/>
@@ -922,9 +920,9 @@
                 </a:solidFill>
               </a:defRPr>
             </a:lvl3pPr>
-            <a:lvl4pPr marL="1224016" indent="0">
-              <a:buNone/>
-              <a:defRPr sz="1428">
+            <a:lvl4pPr marL="647944" indent="0">
+              <a:buNone/>
+              <a:defRPr sz="756">
                 <a:solidFill>
                   <a:schemeClr val="tx1">
                     <a:tint val="75000"/>
@@ -932,9 +930,9 @@
                 </a:solidFill>
               </a:defRPr>
             </a:lvl4pPr>
-            <a:lvl5pPr marL="1632021" indent="0">
-              <a:buNone/>
-              <a:defRPr sz="1428">
+            <a:lvl5pPr marL="863925" indent="0">
+              <a:buNone/>
+              <a:defRPr sz="756">
                 <a:solidFill>
                   <a:schemeClr val="tx1">
                     <a:tint val="75000"/>
@@ -942,9 +940,9 @@
                 </a:solidFill>
               </a:defRPr>
             </a:lvl5pPr>
-            <a:lvl6pPr marL="2040026" indent="0">
-              <a:buNone/>
-              <a:defRPr sz="1428">
+            <a:lvl6pPr marL="1079906" indent="0">
+              <a:buNone/>
+              <a:defRPr sz="756">
                 <a:solidFill>
                   <a:schemeClr val="tx1">
                     <a:tint val="75000"/>
@@ -952,9 +950,9 @@
                 </a:solidFill>
               </a:defRPr>
             </a:lvl6pPr>
-            <a:lvl7pPr marL="2448032" indent="0">
-              <a:buNone/>
-              <a:defRPr sz="1428">
+            <a:lvl7pPr marL="1295888" indent="0">
+              <a:buNone/>
+              <a:defRPr sz="756">
                 <a:solidFill>
                   <a:schemeClr val="tx1">
                     <a:tint val="75000"/>
@@ -962,9 +960,9 @@
                 </a:solidFill>
               </a:defRPr>
             </a:lvl7pPr>
-            <a:lvl8pPr marL="2856037" indent="0">
-              <a:buNone/>
-              <a:defRPr sz="1428">
+            <a:lvl8pPr marL="1511869" indent="0">
+              <a:buNone/>
+              <a:defRPr sz="756">
                 <a:solidFill>
                   <a:schemeClr val="tx1">
                     <a:tint val="75000"/>
@@ -972,9 +970,9 @@
                 </a:solidFill>
               </a:defRPr>
             </a:lvl8pPr>
-            <a:lvl9pPr marL="3264042" indent="0">
-              <a:buNone/>
-              <a:defRPr sz="1428">
+            <a:lvl9pPr marL="1727850" indent="0">
+              <a:buNone/>
+              <a:defRPr sz="756">
                 <a:solidFill>
                   <a:schemeClr val="tx1">
                     <a:tint val="75000"/>
@@ -1007,9 +1005,9 @@
           <a:bodyPr/>
           <a:lstStyle/>
           <a:p>
-            <a:fld id="{A58B04F7-F471-4340-860B-568D342C6269}" type="datetimeFigureOut">
+            <a:fld id="{A4F7A466-0B4C-4C0F-803B-76CC4E5144BD}" type="datetimeFigureOut">
               <a:rPr lang="es-MX" smtClean="0"/>
-              <a:t>27/05/2022</a:t>
+              <a:t>28/05/2022</a:t>
             </a:fld>
             <a:endParaRPr lang="es-MX"/>
           </a:p>
@@ -1049,7 +1047,7 @@
           <a:bodyPr/>
           <a:lstStyle/>
           <a:p>
-            <a:fld id="{66CC36B8-9E3F-425B-85ED-60D9E1CB1753}" type="slidenum">
+            <a:fld id="{075FE36A-1376-4E84-B420-5CF5C5440797}" type="slidenum">
               <a:rPr lang="es-MX" smtClean="0"/>
               <a:t>‹Nº›</a:t>
             </a:fld>
@@ -1060,7 +1058,7 @@
     </p:spTree>
     <p:extLst>
       <p:ext uri="{BB962C8B-B14F-4D97-AF65-F5344CB8AC3E}">
-        <p14:creationId xmlns:p14="http://schemas.microsoft.com/office/powerpoint/2010/main" val="1285261415"/>
+        <p14:creationId xmlns:p14="http://schemas.microsoft.com/office/powerpoint/2010/main" val="2094950915"/>
       </p:ext>
     </p:extLst>
   </p:cSld>
@@ -1122,8 +1120,8 @@
         </p:nvSpPr>
         <p:spPr>
           <a:xfrm>
-            <a:off x="838200" y="1629117"/>
-            <a:ext cx="5181600" cy="3882965"/>
+            <a:off x="296972" y="2300203"/>
+            <a:ext cx="1835825" cy="5482485"/>
           </a:xfrm>
         </p:spPr>
         <p:txBody>
@@ -1179,8 +1177,8 @@
         </p:nvSpPr>
         <p:spPr>
           <a:xfrm>
-            <a:off x="6172200" y="1629117"/>
-            <a:ext cx="5181600" cy="3882965"/>
+            <a:off x="2186791" y="2300203"/>
+            <a:ext cx="1835825" cy="5482485"/>
           </a:xfrm>
         </p:spPr>
         <p:txBody>
@@ -1239,9 +1237,9 @@
           <a:bodyPr/>
           <a:lstStyle/>
           <a:p>
-            <a:fld id="{A58B04F7-F471-4340-860B-568D342C6269}" type="datetimeFigureOut">
+            <a:fld id="{A4F7A466-0B4C-4C0F-803B-76CC4E5144BD}" type="datetimeFigureOut">
               <a:rPr lang="es-MX" smtClean="0"/>
-              <a:t>27/05/2022</a:t>
+              <a:t>28/05/2022</a:t>
             </a:fld>
             <a:endParaRPr lang="es-MX"/>
           </a:p>
@@ -1281,7 +1279,7 @@
           <a:bodyPr/>
           <a:lstStyle/>
           <a:p>
-            <a:fld id="{66CC36B8-9E3F-425B-85ED-60D9E1CB1753}" type="slidenum">
+            <a:fld id="{075FE36A-1376-4E84-B420-5CF5C5440797}" type="slidenum">
               <a:rPr lang="es-MX" smtClean="0"/>
               <a:t>‹Nº›</a:t>
             </a:fld>
@@ -1292,7 +1290,7 @@
     </p:spTree>
     <p:extLst>
       <p:ext uri="{BB962C8B-B14F-4D97-AF65-F5344CB8AC3E}">
-        <p14:creationId xmlns:p14="http://schemas.microsoft.com/office/powerpoint/2010/main" val="4105915101"/>
+        <p14:creationId xmlns:p14="http://schemas.microsoft.com/office/powerpoint/2010/main" val="2922141613"/>
       </p:ext>
     </p:extLst>
   </p:cSld>
@@ -1331,8 +1329,8 @@
         </p:nvSpPr>
         <p:spPr>
           <a:xfrm>
-            <a:off x="839788" y="325824"/>
-            <a:ext cx="10515600" cy="1182881"/>
+            <a:off x="297534" y="460043"/>
+            <a:ext cx="3725645" cy="1670148"/>
           </a:xfrm>
         </p:spPr>
         <p:txBody>
@@ -1359,8 +1357,8 @@
         </p:nvSpPr>
         <p:spPr>
           <a:xfrm>
-            <a:off x="839789" y="1500205"/>
-            <a:ext cx="5157787" cy="735227"/>
+            <a:off x="297535" y="2118188"/>
+            <a:ext cx="1827388" cy="1038091"/>
           </a:xfrm>
         </p:spPr>
         <p:txBody>
@@ -1368,39 +1366,39 @@
           <a:lstStyle>
             <a:lvl1pPr marL="0" indent="0">
               <a:buNone/>
-              <a:defRPr sz="2142" b="1"/>
+              <a:defRPr sz="1134" b="1"/>
             </a:lvl1pPr>
-            <a:lvl2pPr marL="408005" indent="0">
-              <a:buNone/>
-              <a:defRPr sz="1785" b="1"/>
+            <a:lvl2pPr marL="215981" indent="0">
+              <a:buNone/>
+              <a:defRPr sz="945" b="1"/>
             </a:lvl2pPr>
-            <a:lvl3pPr marL="816011" indent="0">
-              <a:buNone/>
-              <a:defRPr sz="1606" b="1"/>
+            <a:lvl3pPr marL="431963" indent="0">
+              <a:buNone/>
+              <a:defRPr sz="850" b="1"/>
             </a:lvl3pPr>
-            <a:lvl4pPr marL="1224016" indent="0">
-              <a:buNone/>
-              <a:defRPr sz="1428" b="1"/>
+            <a:lvl4pPr marL="647944" indent="0">
+              <a:buNone/>
+              <a:defRPr sz="756" b="1"/>
             </a:lvl4pPr>
-            <a:lvl5pPr marL="1632021" indent="0">
-              <a:buNone/>
-              <a:defRPr sz="1428" b="1"/>
+            <a:lvl5pPr marL="863925" indent="0">
+              <a:buNone/>
+              <a:defRPr sz="756" b="1"/>
             </a:lvl5pPr>
-            <a:lvl6pPr marL="2040026" indent="0">
-              <a:buNone/>
-              <a:defRPr sz="1428" b="1"/>
+            <a:lvl6pPr marL="1079906" indent="0">
+              <a:buNone/>
+              <a:defRPr sz="756" b="1"/>
             </a:lvl6pPr>
-            <a:lvl7pPr marL="2448032" indent="0">
-              <a:buNone/>
-              <a:defRPr sz="1428" b="1"/>
+            <a:lvl7pPr marL="1295888" indent="0">
+              <a:buNone/>
+              <a:defRPr sz="756" b="1"/>
             </a:lvl7pPr>
-            <a:lvl8pPr marL="2856037" indent="0">
-              <a:buNone/>
-              <a:defRPr sz="1428" b="1"/>
+            <a:lvl8pPr marL="1511869" indent="0">
+              <a:buNone/>
+              <a:defRPr sz="756" b="1"/>
             </a:lvl8pPr>
-            <a:lvl9pPr marL="3264042" indent="0">
-              <a:buNone/>
-              <a:defRPr sz="1428" b="1"/>
+            <a:lvl9pPr marL="1727850" indent="0">
+              <a:buNone/>
+              <a:defRPr sz="756" b="1"/>
             </a:lvl9pPr>
           </a:lstStyle>
           <a:p>
@@ -1424,8 +1422,8 @@
         </p:nvSpPr>
         <p:spPr>
           <a:xfrm>
-            <a:off x="839789" y="2235432"/>
-            <a:ext cx="5157787" cy="3287983"/>
+            <a:off x="297535" y="3156278"/>
+            <a:ext cx="1827388" cy="4642411"/>
           </a:xfrm>
         </p:spPr>
         <p:txBody>
@@ -1481,8 +1479,8 @@
         </p:nvSpPr>
         <p:spPr>
           <a:xfrm>
-            <a:off x="6172200" y="1500205"/>
-            <a:ext cx="5183188" cy="735227"/>
+            <a:off x="2186791" y="2118188"/>
+            <a:ext cx="1836388" cy="1038091"/>
           </a:xfrm>
         </p:spPr>
         <p:txBody>
@@ -1490,39 +1488,39 @@
           <a:lstStyle>
             <a:lvl1pPr marL="0" indent="0">
               <a:buNone/>
-              <a:defRPr sz="2142" b="1"/>
+              <a:defRPr sz="1134" b="1"/>
             </a:lvl1pPr>
-            <a:lvl2pPr marL="408005" indent="0">
-              <a:buNone/>
-              <a:defRPr sz="1785" b="1"/>
+            <a:lvl2pPr marL="215981" indent="0">
+              <a:buNone/>
+              <a:defRPr sz="945" b="1"/>
             </a:lvl2pPr>
-            <a:lvl3pPr marL="816011" indent="0">
-              <a:buNone/>
-              <a:defRPr sz="1606" b="1"/>
+            <a:lvl3pPr marL="431963" indent="0">
+              <a:buNone/>
+              <a:defRPr sz="850" b="1"/>
             </a:lvl3pPr>
-            <a:lvl4pPr marL="1224016" indent="0">
-              <a:buNone/>
-              <a:defRPr sz="1428" b="1"/>
+            <a:lvl4pPr marL="647944" indent="0">
+              <a:buNone/>
+              <a:defRPr sz="756" b="1"/>
             </a:lvl4pPr>
-            <a:lvl5pPr marL="1632021" indent="0">
-              <a:buNone/>
-              <a:defRPr sz="1428" b="1"/>
+            <a:lvl5pPr marL="863925" indent="0">
+              <a:buNone/>
+              <a:defRPr sz="756" b="1"/>
             </a:lvl5pPr>
-            <a:lvl6pPr marL="2040026" indent="0">
-              <a:buNone/>
-              <a:defRPr sz="1428" b="1"/>
+            <a:lvl6pPr marL="1079906" indent="0">
+              <a:buNone/>
+              <a:defRPr sz="756" b="1"/>
             </a:lvl6pPr>
-            <a:lvl7pPr marL="2448032" indent="0">
-              <a:buNone/>
-              <a:defRPr sz="1428" b="1"/>
+            <a:lvl7pPr marL="1295888" indent="0">
+              <a:buNone/>
+              <a:defRPr sz="756" b="1"/>
             </a:lvl7pPr>
-            <a:lvl8pPr marL="2856037" indent="0">
-              <a:buNone/>
-              <a:defRPr sz="1428" b="1"/>
+            <a:lvl8pPr marL="1511869" indent="0">
+              <a:buNone/>
+              <a:defRPr sz="756" b="1"/>
             </a:lvl8pPr>
-            <a:lvl9pPr marL="3264042" indent="0">
-              <a:buNone/>
-              <a:defRPr sz="1428" b="1"/>
+            <a:lvl9pPr marL="1727850" indent="0">
+              <a:buNone/>
+              <a:defRPr sz="756" b="1"/>
             </a:lvl9pPr>
           </a:lstStyle>
           <a:p>
@@ -1546,8 +1544,8 @@
         </p:nvSpPr>
         <p:spPr>
           <a:xfrm>
-            <a:off x="6172200" y="2235432"/>
-            <a:ext cx="5183188" cy="3287983"/>
+            <a:off x="2186791" y="3156278"/>
+            <a:ext cx="1836388" cy="4642411"/>
           </a:xfrm>
         </p:spPr>
         <p:txBody>
@@ -1606,9 +1604,9 @@
           <a:bodyPr/>
           <a:lstStyle/>
           <a:p>
-            <a:fld id="{A58B04F7-F471-4340-860B-568D342C6269}" type="datetimeFigureOut">
+            <a:fld id="{A4F7A466-0B4C-4C0F-803B-76CC4E5144BD}" type="datetimeFigureOut">
               <a:rPr lang="es-MX" smtClean="0"/>
-              <a:t>27/05/2022</a:t>
+              <a:t>28/05/2022</a:t>
             </a:fld>
             <a:endParaRPr lang="es-MX"/>
           </a:p>
@@ -1648,7 +1646,7 @@
           <a:bodyPr/>
           <a:lstStyle/>
           <a:p>
-            <a:fld id="{66CC36B8-9E3F-425B-85ED-60D9E1CB1753}" type="slidenum">
+            <a:fld id="{075FE36A-1376-4E84-B420-5CF5C5440797}" type="slidenum">
               <a:rPr lang="es-MX" smtClean="0"/>
               <a:t>‹Nº›</a:t>
             </a:fld>
@@ -1659,7 +1657,7 @@
     </p:spTree>
     <p:extLst>
       <p:ext uri="{BB962C8B-B14F-4D97-AF65-F5344CB8AC3E}">
-        <p14:creationId xmlns:p14="http://schemas.microsoft.com/office/powerpoint/2010/main" val="2469011632"/>
+        <p14:creationId xmlns:p14="http://schemas.microsoft.com/office/powerpoint/2010/main" val="3909431184"/>
       </p:ext>
     </p:extLst>
   </p:cSld>
@@ -1724,9 +1722,9 @@
           <a:bodyPr/>
           <a:lstStyle/>
           <a:p>
-            <a:fld id="{A58B04F7-F471-4340-860B-568D342C6269}" type="datetimeFigureOut">
+            <a:fld id="{A4F7A466-0B4C-4C0F-803B-76CC4E5144BD}" type="datetimeFigureOut">
               <a:rPr lang="es-MX" smtClean="0"/>
-              <a:t>27/05/2022</a:t>
+              <a:t>28/05/2022</a:t>
             </a:fld>
             <a:endParaRPr lang="es-MX"/>
           </a:p>
@@ -1766,7 +1764,7 @@
           <a:bodyPr/>
           <a:lstStyle/>
           <a:p>
-            <a:fld id="{66CC36B8-9E3F-425B-85ED-60D9E1CB1753}" type="slidenum">
+            <a:fld id="{075FE36A-1376-4E84-B420-5CF5C5440797}" type="slidenum">
               <a:rPr lang="es-MX" smtClean="0"/>
               <a:t>‹Nº›</a:t>
             </a:fld>
@@ -1777,7 +1775,7 @@
     </p:spTree>
     <p:extLst>
       <p:ext uri="{BB962C8B-B14F-4D97-AF65-F5344CB8AC3E}">
-        <p14:creationId xmlns:p14="http://schemas.microsoft.com/office/powerpoint/2010/main" val="437571504"/>
+        <p14:creationId xmlns:p14="http://schemas.microsoft.com/office/powerpoint/2010/main" val="734709696"/>
       </p:ext>
     </p:extLst>
   </p:cSld>
@@ -1819,9 +1817,9 @@
           <a:bodyPr/>
           <a:lstStyle/>
           <a:p>
-            <a:fld id="{A58B04F7-F471-4340-860B-568D342C6269}" type="datetimeFigureOut">
+            <a:fld id="{A4F7A466-0B4C-4C0F-803B-76CC4E5144BD}" type="datetimeFigureOut">
               <a:rPr lang="es-MX" smtClean="0"/>
-              <a:t>27/05/2022</a:t>
+              <a:t>28/05/2022</a:t>
             </a:fld>
             <a:endParaRPr lang="es-MX"/>
           </a:p>
@@ -1861,7 +1859,7 @@
           <a:bodyPr/>
           <a:lstStyle/>
           <a:p>
-            <a:fld id="{66CC36B8-9E3F-425B-85ED-60D9E1CB1753}" type="slidenum">
+            <a:fld id="{075FE36A-1376-4E84-B420-5CF5C5440797}" type="slidenum">
               <a:rPr lang="es-MX" smtClean="0"/>
               <a:t>‹Nº›</a:t>
             </a:fld>
@@ -1872,7 +1870,7 @@
     </p:spTree>
     <p:extLst>
       <p:ext uri="{BB962C8B-B14F-4D97-AF65-F5344CB8AC3E}">
-        <p14:creationId xmlns:p14="http://schemas.microsoft.com/office/powerpoint/2010/main" val="3440632324"/>
+        <p14:creationId xmlns:p14="http://schemas.microsoft.com/office/powerpoint/2010/main" val="639516490"/>
       </p:ext>
     </p:extLst>
   </p:cSld>
@@ -1911,15 +1909,15 @@
         </p:nvSpPr>
         <p:spPr>
           <a:xfrm>
-            <a:off x="839789" y="407988"/>
-            <a:ext cx="3932237" cy="1427956"/>
+            <a:off x="297534" y="576051"/>
+            <a:ext cx="1393180" cy="2016178"/>
           </a:xfrm>
         </p:spPr>
         <p:txBody>
           <a:bodyPr anchor="b"/>
           <a:lstStyle>
             <a:lvl1pPr>
-              <a:defRPr sz="2856"/>
+              <a:defRPr sz="1512"/>
             </a:lvl1pPr>
           </a:lstStyle>
           <a:p>
@@ -1943,39 +1941,39 @@
         </p:nvSpPr>
         <p:spPr>
           <a:xfrm>
-            <a:off x="5183188" y="881140"/>
-            <a:ext cx="6172200" cy="4349034"/>
+            <a:off x="1836388" y="1244112"/>
+            <a:ext cx="2186791" cy="6140542"/>
           </a:xfrm>
         </p:spPr>
         <p:txBody>
           <a:bodyPr/>
           <a:lstStyle>
             <a:lvl1pPr>
-              <a:defRPr sz="2856"/>
+              <a:defRPr sz="1512"/>
             </a:lvl1pPr>
             <a:lvl2pPr>
-              <a:defRPr sz="2499"/>
+              <a:defRPr sz="1323"/>
             </a:lvl2pPr>
             <a:lvl3pPr>
-              <a:defRPr sz="2142"/>
+              <a:defRPr sz="1134"/>
             </a:lvl3pPr>
             <a:lvl4pPr>
-              <a:defRPr sz="1785"/>
+              <a:defRPr sz="945"/>
             </a:lvl4pPr>
             <a:lvl5pPr>
-              <a:defRPr sz="1785"/>
+              <a:defRPr sz="945"/>
             </a:lvl5pPr>
             <a:lvl6pPr>
-              <a:defRPr sz="1785"/>
+              <a:defRPr sz="945"/>
             </a:lvl6pPr>
             <a:lvl7pPr>
-              <a:defRPr sz="1785"/>
+              <a:defRPr sz="945"/>
             </a:lvl7pPr>
             <a:lvl8pPr>
-              <a:defRPr sz="1785"/>
+              <a:defRPr sz="945"/>
             </a:lvl8pPr>
             <a:lvl9pPr>
-              <a:defRPr sz="1785"/>
+              <a:defRPr sz="945"/>
             </a:lvl9pPr>
           </a:lstStyle>
           <a:p>
@@ -2028,8 +2026,8 @@
         </p:nvSpPr>
         <p:spPr>
           <a:xfrm>
-            <a:off x="839789" y="1835944"/>
-            <a:ext cx="3932237" cy="3401313"/>
+            <a:off x="297534" y="2592229"/>
+            <a:ext cx="1393180" cy="4802425"/>
           </a:xfrm>
         </p:spPr>
         <p:txBody>
@@ -2037,39 +2035,39 @@
           <a:lstStyle>
             <a:lvl1pPr marL="0" indent="0">
               <a:buNone/>
-              <a:defRPr sz="1428"/>
+              <a:defRPr sz="756"/>
             </a:lvl1pPr>
-            <a:lvl2pPr marL="408005" indent="0">
-              <a:buNone/>
-              <a:defRPr sz="1249"/>
+            <a:lvl2pPr marL="215981" indent="0">
+              <a:buNone/>
+              <a:defRPr sz="661"/>
             </a:lvl2pPr>
-            <a:lvl3pPr marL="816011" indent="0">
-              <a:buNone/>
-              <a:defRPr sz="1071"/>
+            <a:lvl3pPr marL="431963" indent="0">
+              <a:buNone/>
+              <a:defRPr sz="567"/>
             </a:lvl3pPr>
-            <a:lvl4pPr marL="1224016" indent="0">
-              <a:buNone/>
-              <a:defRPr sz="892"/>
+            <a:lvl4pPr marL="647944" indent="0">
+              <a:buNone/>
+              <a:defRPr sz="472"/>
             </a:lvl4pPr>
-            <a:lvl5pPr marL="1632021" indent="0">
-              <a:buNone/>
-              <a:defRPr sz="892"/>
+            <a:lvl5pPr marL="863925" indent="0">
+              <a:buNone/>
+              <a:defRPr sz="472"/>
             </a:lvl5pPr>
-            <a:lvl6pPr marL="2040026" indent="0">
-              <a:buNone/>
-              <a:defRPr sz="892"/>
+            <a:lvl6pPr marL="1079906" indent="0">
+              <a:buNone/>
+              <a:defRPr sz="472"/>
             </a:lvl6pPr>
-            <a:lvl7pPr marL="2448032" indent="0">
-              <a:buNone/>
-              <a:defRPr sz="892"/>
+            <a:lvl7pPr marL="1295888" indent="0">
+              <a:buNone/>
+              <a:defRPr sz="472"/>
             </a:lvl7pPr>
-            <a:lvl8pPr marL="2856037" indent="0">
-              <a:buNone/>
-              <a:defRPr sz="892"/>
+            <a:lvl8pPr marL="1511869" indent="0">
+              <a:buNone/>
+              <a:defRPr sz="472"/>
             </a:lvl8pPr>
-            <a:lvl9pPr marL="3264042" indent="0">
-              <a:buNone/>
-              <a:defRPr sz="892"/>
+            <a:lvl9pPr marL="1727850" indent="0">
+              <a:buNone/>
+              <a:defRPr sz="472"/>
             </a:lvl9pPr>
           </a:lstStyle>
           <a:p>
@@ -2096,9 +2094,9 @@
           <a:bodyPr/>
           <a:lstStyle/>
           <a:p>
-            <a:fld id="{A58B04F7-F471-4340-860B-568D342C6269}" type="datetimeFigureOut">
+            <a:fld id="{A4F7A466-0B4C-4C0F-803B-76CC4E5144BD}" type="datetimeFigureOut">
               <a:rPr lang="es-MX" smtClean="0"/>
-              <a:t>27/05/2022</a:t>
+              <a:t>28/05/2022</a:t>
             </a:fld>
             <a:endParaRPr lang="es-MX"/>
           </a:p>
@@ -2138,7 +2136,7 @@
           <a:bodyPr/>
           <a:lstStyle/>
           <a:p>
-            <a:fld id="{66CC36B8-9E3F-425B-85ED-60D9E1CB1753}" type="slidenum">
+            <a:fld id="{075FE36A-1376-4E84-B420-5CF5C5440797}" type="slidenum">
               <a:rPr lang="es-MX" smtClean="0"/>
               <a:t>‹Nº›</a:t>
             </a:fld>
@@ -2149,7 +2147,7 @@
     </p:spTree>
     <p:extLst>
       <p:ext uri="{BB962C8B-B14F-4D97-AF65-F5344CB8AC3E}">
-        <p14:creationId xmlns:p14="http://schemas.microsoft.com/office/powerpoint/2010/main" val="3167960900"/>
+        <p14:creationId xmlns:p14="http://schemas.microsoft.com/office/powerpoint/2010/main" val="4089468307"/>
       </p:ext>
     </p:extLst>
   </p:cSld>
@@ -2188,15 +2186,15 @@
         </p:nvSpPr>
         <p:spPr>
           <a:xfrm>
-            <a:off x="839789" y="407988"/>
-            <a:ext cx="3932237" cy="1427956"/>
+            <a:off x="297534" y="576051"/>
+            <a:ext cx="1393180" cy="2016178"/>
           </a:xfrm>
         </p:spPr>
         <p:txBody>
           <a:bodyPr anchor="b"/>
           <a:lstStyle>
             <a:lvl1pPr>
-              <a:defRPr sz="2856"/>
+              <a:defRPr sz="1512"/>
             </a:lvl1pPr>
           </a:lstStyle>
           <a:p>
@@ -2220,8 +2218,8 @@
         </p:nvSpPr>
         <p:spPr>
           <a:xfrm>
-            <a:off x="5183188" y="881140"/>
-            <a:ext cx="6172200" cy="4349034"/>
+            <a:off x="1836388" y="1244112"/>
+            <a:ext cx="2186791" cy="6140542"/>
           </a:xfrm>
         </p:spPr>
         <p:txBody>
@@ -2229,39 +2227,39 @@
           <a:lstStyle>
             <a:lvl1pPr marL="0" indent="0">
               <a:buNone/>
-              <a:defRPr sz="2856"/>
+              <a:defRPr sz="1512"/>
             </a:lvl1pPr>
-            <a:lvl2pPr marL="408005" indent="0">
-              <a:buNone/>
-              <a:defRPr sz="2499"/>
+            <a:lvl2pPr marL="215981" indent="0">
+              <a:buNone/>
+              <a:defRPr sz="1323"/>
             </a:lvl2pPr>
-            <a:lvl3pPr marL="816011" indent="0">
-              <a:buNone/>
-              <a:defRPr sz="2142"/>
+            <a:lvl3pPr marL="431963" indent="0">
+              <a:buNone/>
+              <a:defRPr sz="1134"/>
             </a:lvl3pPr>
-            <a:lvl4pPr marL="1224016" indent="0">
-              <a:buNone/>
-              <a:defRPr sz="1785"/>
+            <a:lvl4pPr marL="647944" indent="0">
+              <a:buNone/>
+              <a:defRPr sz="945"/>
             </a:lvl4pPr>
-            <a:lvl5pPr marL="1632021" indent="0">
-              <a:buNone/>
-              <a:defRPr sz="1785"/>
+            <a:lvl5pPr marL="863925" indent="0">
+              <a:buNone/>
+              <a:defRPr sz="945"/>
             </a:lvl5pPr>
-            <a:lvl6pPr marL="2040026" indent="0">
-              <a:buNone/>
-              <a:defRPr sz="1785"/>
+            <a:lvl6pPr marL="1079906" indent="0">
+              <a:buNone/>
+              <a:defRPr sz="945"/>
             </a:lvl6pPr>
-            <a:lvl7pPr marL="2448032" indent="0">
-              <a:buNone/>
-              <a:defRPr sz="1785"/>
+            <a:lvl7pPr marL="1295888" indent="0">
+              <a:buNone/>
+              <a:defRPr sz="945"/>
             </a:lvl7pPr>
-            <a:lvl8pPr marL="2856037" indent="0">
-              <a:buNone/>
-              <a:defRPr sz="1785"/>
+            <a:lvl8pPr marL="1511869" indent="0">
+              <a:buNone/>
+              <a:defRPr sz="945"/>
             </a:lvl8pPr>
-            <a:lvl9pPr marL="3264042" indent="0">
-              <a:buNone/>
-              <a:defRPr sz="1785"/>
+            <a:lvl9pPr marL="1727850" indent="0">
+              <a:buNone/>
+              <a:defRPr sz="945"/>
             </a:lvl9pPr>
           </a:lstStyle>
           <a:p>
@@ -2285,8 +2283,8 @@
         </p:nvSpPr>
         <p:spPr>
           <a:xfrm>
-            <a:off x="839789" y="1835944"/>
-            <a:ext cx="3932237" cy="3401313"/>
+            <a:off x="297534" y="2592229"/>
+            <a:ext cx="1393180" cy="4802425"/>
           </a:xfrm>
         </p:spPr>
         <p:txBody>
@@ -2294,39 +2292,39 @@
           <a:lstStyle>
             <a:lvl1pPr marL="0" indent="0">
               <a:buNone/>
-              <a:defRPr sz="1428"/>
+              <a:defRPr sz="756"/>
             </a:lvl1pPr>
-            <a:lvl2pPr marL="408005" indent="0">
-              <a:buNone/>
-              <a:defRPr sz="1249"/>
+            <a:lvl2pPr marL="215981" indent="0">
+              <a:buNone/>
+              <a:defRPr sz="661"/>
             </a:lvl2pPr>
-            <a:lvl3pPr marL="816011" indent="0">
-              <a:buNone/>
-              <a:defRPr sz="1071"/>
+            <a:lvl3pPr marL="431963" indent="0">
+              <a:buNone/>
+              <a:defRPr sz="567"/>
             </a:lvl3pPr>
-            <a:lvl4pPr marL="1224016" indent="0">
-              <a:buNone/>
-              <a:defRPr sz="892"/>
+            <a:lvl4pPr marL="647944" indent="0">
+              <a:buNone/>
+              <a:defRPr sz="472"/>
             </a:lvl4pPr>
-            <a:lvl5pPr marL="1632021" indent="0">
-              <a:buNone/>
-              <a:defRPr sz="892"/>
+            <a:lvl5pPr marL="863925" indent="0">
+              <a:buNone/>
+              <a:defRPr sz="472"/>
             </a:lvl5pPr>
-            <a:lvl6pPr marL="2040026" indent="0">
-              <a:buNone/>
-              <a:defRPr sz="892"/>
+            <a:lvl6pPr marL="1079906" indent="0">
+              <a:buNone/>
+              <a:defRPr sz="472"/>
             </a:lvl6pPr>
-            <a:lvl7pPr marL="2448032" indent="0">
-              <a:buNone/>
-              <a:defRPr sz="892"/>
+            <a:lvl7pPr marL="1295888" indent="0">
+              <a:buNone/>
+              <a:defRPr sz="472"/>
             </a:lvl7pPr>
-            <a:lvl8pPr marL="2856037" indent="0">
-              <a:buNone/>
-              <a:defRPr sz="892"/>
+            <a:lvl8pPr marL="1511869" indent="0">
+              <a:buNone/>
+              <a:defRPr sz="472"/>
             </a:lvl8pPr>
-            <a:lvl9pPr marL="3264042" indent="0">
-              <a:buNone/>
-              <a:defRPr sz="892"/>
+            <a:lvl9pPr marL="1727850" indent="0">
+              <a:buNone/>
+              <a:defRPr sz="472"/>
             </a:lvl9pPr>
           </a:lstStyle>
           <a:p>
@@ -2353,9 +2351,9 @@
           <a:bodyPr/>
           <a:lstStyle/>
           <a:p>
-            <a:fld id="{A58B04F7-F471-4340-860B-568D342C6269}" type="datetimeFigureOut">
+            <a:fld id="{A4F7A466-0B4C-4C0F-803B-76CC4E5144BD}" type="datetimeFigureOut">
               <a:rPr lang="es-MX" smtClean="0"/>
-              <a:t>27/05/2022</a:t>
+              <a:t>28/05/2022</a:t>
             </a:fld>
             <a:endParaRPr lang="es-MX"/>
           </a:p>
@@ -2395,7 +2393,7 @@
           <a:bodyPr/>
           <a:lstStyle/>
           <a:p>
-            <a:fld id="{66CC36B8-9E3F-425B-85ED-60D9E1CB1753}" type="slidenum">
+            <a:fld id="{075FE36A-1376-4E84-B420-5CF5C5440797}" type="slidenum">
               <a:rPr lang="es-MX" smtClean="0"/>
               <a:t>‹Nº›</a:t>
             </a:fld>
@@ -2406,7 +2404,7 @@
     </p:spTree>
     <p:extLst>
       <p:ext uri="{BB962C8B-B14F-4D97-AF65-F5344CB8AC3E}">
-        <p14:creationId xmlns:p14="http://schemas.microsoft.com/office/powerpoint/2010/main" val="3898204477"/>
+        <p14:creationId xmlns:p14="http://schemas.microsoft.com/office/powerpoint/2010/main" val="3400998821"/>
       </p:ext>
     </p:extLst>
   </p:cSld>
@@ -2450,8 +2448,8 @@
         </p:nvSpPr>
         <p:spPr>
           <a:xfrm>
-            <a:off x="838200" y="325824"/>
-            <a:ext cx="10515600" cy="1182881"/>
+            <a:off x="296972" y="460043"/>
+            <a:ext cx="3725645" cy="1670148"/>
           </a:xfrm>
           <a:prstGeom prst="rect">
             <a:avLst/>
@@ -2483,8 +2481,8 @@
         </p:nvSpPr>
         <p:spPr>
           <a:xfrm>
-            <a:off x="838200" y="1629117"/>
-            <a:ext cx="10515600" cy="3882965"/>
+            <a:off x="296972" y="2300203"/>
+            <a:ext cx="3725645" cy="5482485"/>
           </a:xfrm>
           <a:prstGeom prst="rect">
             <a:avLst/>
@@ -2545,8 +2543,8 @@
         </p:nvSpPr>
         <p:spPr>
           <a:xfrm>
-            <a:off x="838200" y="5672161"/>
-            <a:ext cx="2743200" cy="325823"/>
+            <a:off x="296972" y="8008709"/>
+            <a:ext cx="971907" cy="460041"/>
           </a:xfrm>
           <a:prstGeom prst="rect">
             <a:avLst/>
@@ -2556,7 +2554,7 @@
           <a:bodyPr vert="horz" lIns="91440" tIns="45720" rIns="91440" bIns="45720" rtlCol="0" anchor="ctr"/>
           <a:lstStyle>
             <a:lvl1pPr algn="l">
-              <a:defRPr sz="1071">
+              <a:defRPr sz="567">
                 <a:solidFill>
                   <a:schemeClr val="tx1">
                     <a:tint val="75000"/>
@@ -2566,9 +2564,9 @@
             </a:lvl1pPr>
           </a:lstStyle>
           <a:p>
-            <a:fld id="{A58B04F7-F471-4340-860B-568D342C6269}" type="datetimeFigureOut">
+            <a:fld id="{A4F7A466-0B4C-4C0F-803B-76CC4E5144BD}" type="datetimeFigureOut">
               <a:rPr lang="es-MX" smtClean="0"/>
-              <a:t>27/05/2022</a:t>
+              <a:t>28/05/2022</a:t>
             </a:fld>
             <a:endParaRPr lang="es-MX"/>
           </a:p>
@@ -2586,8 +2584,8 @@
         </p:nvSpPr>
         <p:spPr>
           <a:xfrm>
-            <a:off x="4038600" y="5672161"/>
-            <a:ext cx="4114800" cy="325823"/>
+            <a:off x="1430864" y="8008709"/>
+            <a:ext cx="1457861" cy="460041"/>
           </a:xfrm>
           <a:prstGeom prst="rect">
             <a:avLst/>
@@ -2597,7 +2595,7 @@
           <a:bodyPr vert="horz" lIns="91440" tIns="45720" rIns="91440" bIns="45720" rtlCol="0" anchor="ctr"/>
           <a:lstStyle>
             <a:lvl1pPr algn="ctr">
-              <a:defRPr sz="1071">
+              <a:defRPr sz="567">
                 <a:solidFill>
                   <a:schemeClr val="tx1">
                     <a:tint val="75000"/>
@@ -2623,8 +2621,8 @@
         </p:nvSpPr>
         <p:spPr>
           <a:xfrm>
-            <a:off x="8610600" y="5672161"/>
-            <a:ext cx="2743200" cy="325823"/>
+            <a:off x="3050709" y="8008709"/>
+            <a:ext cx="971907" cy="460041"/>
           </a:xfrm>
           <a:prstGeom prst="rect">
             <a:avLst/>
@@ -2634,7 +2632,7 @@
           <a:bodyPr vert="horz" lIns="91440" tIns="45720" rIns="91440" bIns="45720" rtlCol="0" anchor="ctr"/>
           <a:lstStyle>
             <a:lvl1pPr algn="r">
-              <a:defRPr sz="1071">
+              <a:defRPr sz="567">
                 <a:solidFill>
                   <a:schemeClr val="tx1">
                     <a:tint val="75000"/>
@@ -2644,7 +2642,7 @@
             </a:lvl1pPr>
           </a:lstStyle>
           <a:p>
-            <a:fld id="{66CC36B8-9E3F-425B-85ED-60D9E1CB1753}" type="slidenum">
+            <a:fld id="{075FE36A-1376-4E84-B420-5CF5C5440797}" type="slidenum">
               <a:rPr lang="es-MX" smtClean="0"/>
               <a:t>‹Nº›</a:t>
             </a:fld>
@@ -2655,7 +2653,7 @@
     </p:spTree>
     <p:extLst>
       <p:ext uri="{BB962C8B-B14F-4D97-AF65-F5344CB8AC3E}">
-        <p14:creationId xmlns:p14="http://schemas.microsoft.com/office/powerpoint/2010/main" val="853502801"/>
+        <p14:creationId xmlns:p14="http://schemas.microsoft.com/office/powerpoint/2010/main" val="3773052068"/>
       </p:ext>
     </p:extLst>
   </p:cSld>
@@ -2675,7 +2673,7 @@
   </p:sldLayoutIdLst>
   <p:txStyles>
     <p:titleStyle>
-      <a:lvl1pPr algn="l" defTabSz="816011" rtl="0" eaLnBrk="1" latinLnBrk="0" hangingPunct="1">
+      <a:lvl1pPr algn="l" defTabSz="431963" rtl="0" eaLnBrk="1" latinLnBrk="0" hangingPunct="1">
         <a:lnSpc>
           <a:spcPct val="90000"/>
         </a:lnSpc>
@@ -2683,7 +2681,7 @@
           <a:spcPct val="0"/>
         </a:spcBef>
         <a:buNone/>
-        <a:defRPr sz="3927" kern="1200">
+        <a:defRPr sz="2079" kern="1200">
           <a:solidFill>
             <a:schemeClr val="tx1"/>
           </a:solidFill>
@@ -2694,16 +2692,16 @@
       </a:lvl1pPr>
     </p:titleStyle>
     <p:bodyStyle>
-      <a:lvl1pPr marL="204003" indent="-204003" algn="l" defTabSz="816011" rtl="0" eaLnBrk="1" latinLnBrk="0" hangingPunct="1">
+      <a:lvl1pPr marL="107991" indent="-107991" algn="l" defTabSz="431963" rtl="0" eaLnBrk="1" latinLnBrk="0" hangingPunct="1">
         <a:lnSpc>
           <a:spcPct val="90000"/>
         </a:lnSpc>
         <a:spcBef>
-          <a:spcPts val="892"/>
+          <a:spcPts val="472"/>
         </a:spcBef>
         <a:buFont typeface="Arial" panose="020B0604020202020204" pitchFamily="34" charset="0"/>
         <a:buChar char="•"/>
-        <a:defRPr sz="2499" kern="1200">
+        <a:defRPr sz="1323" kern="1200">
           <a:solidFill>
             <a:schemeClr val="tx1"/>
           </a:solidFill>
@@ -2712,16 +2710,16 @@
           <a:cs typeface="+mn-cs"/>
         </a:defRPr>
       </a:lvl1pPr>
-      <a:lvl2pPr marL="612008" indent="-204003" algn="l" defTabSz="816011" rtl="0" eaLnBrk="1" latinLnBrk="0" hangingPunct="1">
+      <a:lvl2pPr marL="323972" indent="-107991" algn="l" defTabSz="431963" rtl="0" eaLnBrk="1" latinLnBrk="0" hangingPunct="1">
         <a:lnSpc>
           <a:spcPct val="90000"/>
         </a:lnSpc>
         <a:spcBef>
-          <a:spcPts val="446"/>
+          <a:spcPts val="236"/>
         </a:spcBef>
         <a:buFont typeface="Arial" panose="020B0604020202020204" pitchFamily="34" charset="0"/>
         <a:buChar char="•"/>
-        <a:defRPr sz="2142" kern="1200">
+        <a:defRPr sz="1134" kern="1200">
           <a:solidFill>
             <a:schemeClr val="tx1"/>
           </a:solidFill>
@@ -2730,16 +2728,16 @@
           <a:cs typeface="+mn-cs"/>
         </a:defRPr>
       </a:lvl2pPr>
-      <a:lvl3pPr marL="1020013" indent="-204003" algn="l" defTabSz="816011" rtl="0" eaLnBrk="1" latinLnBrk="0" hangingPunct="1">
+      <a:lvl3pPr marL="539953" indent="-107991" algn="l" defTabSz="431963" rtl="0" eaLnBrk="1" latinLnBrk="0" hangingPunct="1">
         <a:lnSpc>
           <a:spcPct val="90000"/>
         </a:lnSpc>
         <a:spcBef>
-          <a:spcPts val="446"/>
+          <a:spcPts val="236"/>
         </a:spcBef>
         <a:buFont typeface="Arial" panose="020B0604020202020204" pitchFamily="34" charset="0"/>
         <a:buChar char="•"/>
-        <a:defRPr sz="1785" kern="1200">
+        <a:defRPr sz="945" kern="1200">
           <a:solidFill>
             <a:schemeClr val="tx1"/>
           </a:solidFill>
@@ -2748,16 +2746,16 @@
           <a:cs typeface="+mn-cs"/>
         </a:defRPr>
       </a:lvl3pPr>
-      <a:lvl4pPr marL="1428018" indent="-204003" algn="l" defTabSz="816011" rtl="0" eaLnBrk="1" latinLnBrk="0" hangingPunct="1">
+      <a:lvl4pPr marL="755934" indent="-107991" algn="l" defTabSz="431963" rtl="0" eaLnBrk="1" latinLnBrk="0" hangingPunct="1">
         <a:lnSpc>
           <a:spcPct val="90000"/>
         </a:lnSpc>
         <a:spcBef>
-          <a:spcPts val="446"/>
+          <a:spcPts val="236"/>
         </a:spcBef>
         <a:buFont typeface="Arial" panose="020B0604020202020204" pitchFamily="34" charset="0"/>
         <a:buChar char="•"/>
-        <a:defRPr sz="1606" kern="1200">
+        <a:defRPr sz="850" kern="1200">
           <a:solidFill>
             <a:schemeClr val="tx1"/>
           </a:solidFill>
@@ -2766,16 +2764,16 @@
           <a:cs typeface="+mn-cs"/>
         </a:defRPr>
       </a:lvl4pPr>
-      <a:lvl5pPr marL="1836024" indent="-204003" algn="l" defTabSz="816011" rtl="0" eaLnBrk="1" latinLnBrk="0" hangingPunct="1">
+      <a:lvl5pPr marL="971916" indent="-107991" algn="l" defTabSz="431963" rtl="0" eaLnBrk="1" latinLnBrk="0" hangingPunct="1">
         <a:lnSpc>
           <a:spcPct val="90000"/>
         </a:lnSpc>
         <a:spcBef>
-          <a:spcPts val="446"/>
+          <a:spcPts val="236"/>
         </a:spcBef>
         <a:buFont typeface="Arial" panose="020B0604020202020204" pitchFamily="34" charset="0"/>
         <a:buChar char="•"/>
-        <a:defRPr sz="1606" kern="1200">
+        <a:defRPr sz="850" kern="1200">
           <a:solidFill>
             <a:schemeClr val="tx1"/>
           </a:solidFill>
@@ -2784,16 +2782,16 @@
           <a:cs typeface="+mn-cs"/>
         </a:defRPr>
       </a:lvl5pPr>
-      <a:lvl6pPr marL="2244029" indent="-204003" algn="l" defTabSz="816011" rtl="0" eaLnBrk="1" latinLnBrk="0" hangingPunct="1">
+      <a:lvl6pPr marL="1187897" indent="-107991" algn="l" defTabSz="431963" rtl="0" eaLnBrk="1" latinLnBrk="0" hangingPunct="1">
         <a:lnSpc>
           <a:spcPct val="90000"/>
         </a:lnSpc>
         <a:spcBef>
-          <a:spcPts val="446"/>
+          <a:spcPts val="236"/>
         </a:spcBef>
         <a:buFont typeface="Arial" panose="020B0604020202020204" pitchFamily="34" charset="0"/>
         <a:buChar char="•"/>
-        <a:defRPr sz="1606" kern="1200">
+        <a:defRPr sz="850" kern="1200">
           <a:solidFill>
             <a:schemeClr val="tx1"/>
           </a:solidFill>
@@ -2802,16 +2800,16 @@
           <a:cs typeface="+mn-cs"/>
         </a:defRPr>
       </a:lvl6pPr>
-      <a:lvl7pPr marL="2652034" indent="-204003" algn="l" defTabSz="816011" rtl="0" eaLnBrk="1" latinLnBrk="0" hangingPunct="1">
+      <a:lvl7pPr marL="1403878" indent="-107991" algn="l" defTabSz="431963" rtl="0" eaLnBrk="1" latinLnBrk="0" hangingPunct="1">
         <a:lnSpc>
           <a:spcPct val="90000"/>
         </a:lnSpc>
         <a:spcBef>
-          <a:spcPts val="446"/>
+          <a:spcPts val="236"/>
         </a:spcBef>
         <a:buFont typeface="Arial" panose="020B0604020202020204" pitchFamily="34" charset="0"/>
         <a:buChar char="•"/>
-        <a:defRPr sz="1606" kern="1200">
+        <a:defRPr sz="850" kern="1200">
           <a:solidFill>
             <a:schemeClr val="tx1"/>
           </a:solidFill>
@@ -2820,16 +2818,16 @@
           <a:cs typeface="+mn-cs"/>
         </a:defRPr>
       </a:lvl7pPr>
-      <a:lvl8pPr marL="3060040" indent="-204003" algn="l" defTabSz="816011" rtl="0" eaLnBrk="1" latinLnBrk="0" hangingPunct="1">
+      <a:lvl8pPr marL="1619860" indent="-107991" algn="l" defTabSz="431963" rtl="0" eaLnBrk="1" latinLnBrk="0" hangingPunct="1">
         <a:lnSpc>
           <a:spcPct val="90000"/>
         </a:lnSpc>
         <a:spcBef>
-          <a:spcPts val="446"/>
+          <a:spcPts val="236"/>
         </a:spcBef>
         <a:buFont typeface="Arial" panose="020B0604020202020204" pitchFamily="34" charset="0"/>
         <a:buChar char="•"/>
-        <a:defRPr sz="1606" kern="1200">
+        <a:defRPr sz="850" kern="1200">
           <a:solidFill>
             <a:schemeClr val="tx1"/>
           </a:solidFill>
@@ -2838,16 +2836,16 @@
           <a:cs typeface="+mn-cs"/>
         </a:defRPr>
       </a:lvl8pPr>
-      <a:lvl9pPr marL="3468045" indent="-204003" algn="l" defTabSz="816011" rtl="0" eaLnBrk="1" latinLnBrk="0" hangingPunct="1">
+      <a:lvl9pPr marL="1835841" indent="-107991" algn="l" defTabSz="431963" rtl="0" eaLnBrk="1" latinLnBrk="0" hangingPunct="1">
         <a:lnSpc>
           <a:spcPct val="90000"/>
         </a:lnSpc>
         <a:spcBef>
-          <a:spcPts val="446"/>
+          <a:spcPts val="236"/>
         </a:spcBef>
         <a:buFont typeface="Arial" panose="020B0604020202020204" pitchFamily="34" charset="0"/>
         <a:buChar char="•"/>
-        <a:defRPr sz="1606" kern="1200">
+        <a:defRPr sz="850" kern="1200">
           <a:solidFill>
             <a:schemeClr val="tx1"/>
           </a:solidFill>
@@ -2861,8 +2859,8 @@
       <a:defPPr>
         <a:defRPr lang="en-US"/>
       </a:defPPr>
-      <a:lvl1pPr marL="0" algn="l" defTabSz="816011" rtl="0" eaLnBrk="1" latinLnBrk="0" hangingPunct="1">
-        <a:defRPr sz="1606" kern="1200">
+      <a:lvl1pPr marL="0" algn="l" defTabSz="431963" rtl="0" eaLnBrk="1" latinLnBrk="0" hangingPunct="1">
+        <a:defRPr sz="850" kern="1200">
           <a:solidFill>
             <a:schemeClr val="tx1"/>
           </a:solidFill>
@@ -2871,8 +2869,8 @@
           <a:cs typeface="+mn-cs"/>
         </a:defRPr>
       </a:lvl1pPr>
-      <a:lvl2pPr marL="408005" algn="l" defTabSz="816011" rtl="0" eaLnBrk="1" latinLnBrk="0" hangingPunct="1">
-        <a:defRPr sz="1606" kern="1200">
+      <a:lvl2pPr marL="215981" algn="l" defTabSz="431963" rtl="0" eaLnBrk="1" latinLnBrk="0" hangingPunct="1">
+        <a:defRPr sz="850" kern="1200">
           <a:solidFill>
             <a:schemeClr val="tx1"/>
           </a:solidFill>
@@ -2881,8 +2879,8 @@
           <a:cs typeface="+mn-cs"/>
         </a:defRPr>
       </a:lvl2pPr>
-      <a:lvl3pPr marL="816011" algn="l" defTabSz="816011" rtl="0" eaLnBrk="1" latinLnBrk="0" hangingPunct="1">
-        <a:defRPr sz="1606" kern="1200">
+      <a:lvl3pPr marL="431963" algn="l" defTabSz="431963" rtl="0" eaLnBrk="1" latinLnBrk="0" hangingPunct="1">
+        <a:defRPr sz="850" kern="1200">
           <a:solidFill>
             <a:schemeClr val="tx1"/>
           </a:solidFill>
@@ -2891,8 +2889,8 @@
           <a:cs typeface="+mn-cs"/>
         </a:defRPr>
       </a:lvl3pPr>
-      <a:lvl4pPr marL="1224016" algn="l" defTabSz="816011" rtl="0" eaLnBrk="1" latinLnBrk="0" hangingPunct="1">
-        <a:defRPr sz="1606" kern="1200">
+      <a:lvl4pPr marL="647944" algn="l" defTabSz="431963" rtl="0" eaLnBrk="1" latinLnBrk="0" hangingPunct="1">
+        <a:defRPr sz="850" kern="1200">
           <a:solidFill>
             <a:schemeClr val="tx1"/>
           </a:solidFill>
@@ -2901,8 +2899,8 @@
           <a:cs typeface="+mn-cs"/>
         </a:defRPr>
       </a:lvl4pPr>
-      <a:lvl5pPr marL="1632021" algn="l" defTabSz="816011" rtl="0" eaLnBrk="1" latinLnBrk="0" hangingPunct="1">
-        <a:defRPr sz="1606" kern="1200">
+      <a:lvl5pPr marL="863925" algn="l" defTabSz="431963" rtl="0" eaLnBrk="1" latinLnBrk="0" hangingPunct="1">
+        <a:defRPr sz="850" kern="1200">
           <a:solidFill>
             <a:schemeClr val="tx1"/>
           </a:solidFill>
@@ -2911,8 +2909,8 @@
           <a:cs typeface="+mn-cs"/>
         </a:defRPr>
       </a:lvl5pPr>
-      <a:lvl6pPr marL="2040026" algn="l" defTabSz="816011" rtl="0" eaLnBrk="1" latinLnBrk="0" hangingPunct="1">
-        <a:defRPr sz="1606" kern="1200">
+      <a:lvl6pPr marL="1079906" algn="l" defTabSz="431963" rtl="0" eaLnBrk="1" latinLnBrk="0" hangingPunct="1">
+        <a:defRPr sz="850" kern="1200">
           <a:solidFill>
             <a:schemeClr val="tx1"/>
           </a:solidFill>
@@ -2921,8 +2919,8 @@
           <a:cs typeface="+mn-cs"/>
         </a:defRPr>
       </a:lvl6pPr>
-      <a:lvl7pPr marL="2448032" algn="l" defTabSz="816011" rtl="0" eaLnBrk="1" latinLnBrk="0" hangingPunct="1">
-        <a:defRPr sz="1606" kern="1200">
+      <a:lvl7pPr marL="1295888" algn="l" defTabSz="431963" rtl="0" eaLnBrk="1" latinLnBrk="0" hangingPunct="1">
+        <a:defRPr sz="850" kern="1200">
           <a:solidFill>
             <a:schemeClr val="tx1"/>
           </a:solidFill>
@@ -2931,8 +2929,8 @@
           <a:cs typeface="+mn-cs"/>
         </a:defRPr>
       </a:lvl7pPr>
-      <a:lvl8pPr marL="2856037" algn="l" defTabSz="816011" rtl="0" eaLnBrk="1" latinLnBrk="0" hangingPunct="1">
-        <a:defRPr sz="1606" kern="1200">
+      <a:lvl8pPr marL="1511869" algn="l" defTabSz="431963" rtl="0" eaLnBrk="1" latinLnBrk="0" hangingPunct="1">
+        <a:defRPr sz="850" kern="1200">
           <a:solidFill>
             <a:schemeClr val="tx1"/>
           </a:solidFill>
@@ -2941,8 +2939,8 @@
           <a:cs typeface="+mn-cs"/>
         </a:defRPr>
       </a:lvl8pPr>
-      <a:lvl9pPr marL="3264042" algn="l" defTabSz="816011" rtl="0" eaLnBrk="1" latinLnBrk="0" hangingPunct="1">
-        <a:defRPr sz="1606" kern="1200">
+      <a:lvl9pPr marL="1727850" algn="l" defTabSz="431963" rtl="0" eaLnBrk="1" latinLnBrk="0" hangingPunct="1">
+        <a:defRPr sz="850" kern="1200">
           <a:solidFill>
             <a:schemeClr val="tx1"/>
           </a:solidFill>
@@ -2973,477 +2971,16 @@
           <a:chExt cx="0" cy="0"/>
         </a:xfrm>
       </p:grpSpPr>
-      <p:grpSp>
-        <p:nvGrpSpPr>
-          <p:cNvPr id="16" name="Grupo 15"/>
-          <p:cNvGrpSpPr/>
-          <p:nvPr/>
-        </p:nvGrpSpPr>
-        <p:grpSpPr>
-          <a:xfrm>
-            <a:off x="308523" y="166460"/>
-            <a:ext cx="11515368" cy="5757684"/>
-            <a:chOff x="180187" y="359091"/>
-            <a:chExt cx="11515368" cy="5757684"/>
-          </a:xfrm>
-        </p:grpSpPr>
-        <p:pic>
-          <p:nvPicPr>
-            <p:cNvPr id="4" name="Imagen 3"/>
-            <p:cNvPicPr>
-              <a:picLocks noChangeAspect="1"/>
-            </p:cNvPicPr>
-            <p:nvPr/>
-          </p:nvPicPr>
-          <p:blipFill rotWithShape="1">
-            <a:blip r:embed="rId2" cstate="print">
-              <a:extLst>
-                <a:ext uri="{28A0092B-C50C-407E-A947-70E740481C1C}">
-                  <a14:useLocalDpi xmlns:a14="http://schemas.microsoft.com/office/drawing/2010/main" val="0"/>
-                </a:ext>
-              </a:extLst>
-            </a:blip>
-            <a:srcRect b="10000"/>
-            <a:stretch/>
-          </p:blipFill>
-          <p:spPr>
-            <a:xfrm>
-              <a:off x="180187" y="604749"/>
-              <a:ext cx="8638050" cy="5181902"/>
-            </a:xfrm>
-            <a:prstGeom prst="rect">
-              <a:avLst/>
-            </a:prstGeom>
-          </p:spPr>
-        </p:pic>
-        <p:pic>
-          <p:nvPicPr>
-            <p:cNvPr id="5" name="Imagen 4"/>
-            <p:cNvPicPr>
-              <a:picLocks noChangeAspect="1"/>
-            </p:cNvPicPr>
-            <p:nvPr/>
-          </p:nvPicPr>
-          <p:blipFill>
-            <a:blip r:embed="rId3" cstate="print">
-              <a:extLst>
-                <a:ext uri="{28A0092B-C50C-407E-A947-70E740481C1C}">
-                  <a14:useLocalDpi xmlns:a14="http://schemas.microsoft.com/office/drawing/2010/main" val="0"/>
-                </a:ext>
-              </a:extLst>
-            </a:blip>
-            <a:stretch>
-              <a:fillRect/>
-            </a:stretch>
-          </p:blipFill>
-          <p:spPr>
-            <a:xfrm>
-              <a:off x="8818237" y="359091"/>
-              <a:ext cx="2877318" cy="5757684"/>
-            </a:xfrm>
-            <a:prstGeom prst="rect">
-              <a:avLst/>
-            </a:prstGeom>
-          </p:spPr>
-        </p:pic>
-        <p:pic>
-          <p:nvPicPr>
-            <p:cNvPr id="6" name="Imagen 5"/>
-            <p:cNvPicPr>
-              <a:picLocks noChangeAspect="1"/>
-            </p:cNvPicPr>
-            <p:nvPr/>
-          </p:nvPicPr>
-          <p:blipFill rotWithShape="1">
-            <a:blip r:embed="rId2" cstate="print">
-              <a:extLst>
-                <a:ext uri="{28A0092B-C50C-407E-A947-70E740481C1C}">
-                  <a14:useLocalDpi xmlns:a14="http://schemas.microsoft.com/office/drawing/2010/main" val="0"/>
-                </a:ext>
-              </a:extLst>
-            </a:blip>
-            <a:srcRect l="15741" t="92805" r="81889" b="2929"/>
-            <a:stretch/>
-          </p:blipFill>
-          <p:spPr>
-            <a:xfrm>
-              <a:off x="6214580" y="2418232"/>
-              <a:ext cx="204716" cy="245658"/>
-            </a:xfrm>
-            <a:prstGeom prst="rect">
-              <a:avLst/>
-            </a:prstGeom>
-          </p:spPr>
-        </p:pic>
-        <p:pic>
-          <p:nvPicPr>
-            <p:cNvPr id="7" name="Imagen 6"/>
-            <p:cNvPicPr>
-              <a:picLocks noChangeAspect="1"/>
-            </p:cNvPicPr>
-            <p:nvPr/>
-          </p:nvPicPr>
-          <p:blipFill rotWithShape="1">
-            <a:blip r:embed="rId2" cstate="print">
-              <a:extLst>
-                <a:ext uri="{28A0092B-C50C-407E-A947-70E740481C1C}">
-                  <a14:useLocalDpi xmlns:a14="http://schemas.microsoft.com/office/drawing/2010/main" val="0"/>
-                </a:ext>
-              </a:extLst>
-            </a:blip>
-            <a:srcRect l="29935" t="92528" r="67221" b="2968"/>
-            <a:stretch/>
-          </p:blipFill>
-          <p:spPr>
-            <a:xfrm>
-              <a:off x="6992798" y="2404584"/>
-              <a:ext cx="245660" cy="259307"/>
-            </a:xfrm>
-            <a:prstGeom prst="rect">
-              <a:avLst/>
-            </a:prstGeom>
-          </p:spPr>
-        </p:pic>
-        <p:pic>
-          <p:nvPicPr>
-            <p:cNvPr id="8" name="Imagen 7"/>
-            <p:cNvPicPr>
-              <a:picLocks noChangeAspect="1"/>
-            </p:cNvPicPr>
-            <p:nvPr/>
-          </p:nvPicPr>
-          <p:blipFill rotWithShape="1">
-            <a:blip r:embed="rId2" cstate="print">
-              <a:extLst>
-                <a:ext uri="{28A0092B-C50C-407E-A947-70E740481C1C}">
-                  <a14:useLocalDpi xmlns:a14="http://schemas.microsoft.com/office/drawing/2010/main" val="0"/>
-                </a:ext>
-              </a:extLst>
-            </a:blip>
-            <a:srcRect l="51711" t="92963" r="45761" b="2534"/>
-            <a:stretch/>
-          </p:blipFill>
-          <p:spPr>
-            <a:xfrm>
-              <a:off x="7927160" y="2431880"/>
-              <a:ext cx="218365" cy="259308"/>
-            </a:xfrm>
-            <a:prstGeom prst="rect">
-              <a:avLst/>
-            </a:prstGeom>
-          </p:spPr>
-        </p:pic>
-        <p:pic>
-          <p:nvPicPr>
-            <p:cNvPr id="9" name="Imagen 8"/>
-            <p:cNvPicPr>
-              <a:picLocks noChangeAspect="1"/>
-            </p:cNvPicPr>
-            <p:nvPr/>
-          </p:nvPicPr>
-          <p:blipFill rotWithShape="1">
-            <a:blip r:embed="rId2" cstate="print">
-              <a:extLst>
-                <a:ext uri="{28A0092B-C50C-407E-A947-70E740481C1C}">
-                  <a14:useLocalDpi xmlns:a14="http://schemas.microsoft.com/office/drawing/2010/main" val="0"/>
-                </a:ext>
-              </a:extLst>
-            </a:blip>
-            <a:srcRect l="71118" t="92923" r="26038" b="3047"/>
-            <a:stretch/>
-          </p:blipFill>
-          <p:spPr>
-            <a:xfrm>
-              <a:off x="6455947" y="3759574"/>
-              <a:ext cx="245660" cy="232012"/>
-            </a:xfrm>
-            <a:prstGeom prst="rect">
-              <a:avLst/>
-            </a:prstGeom>
-          </p:spPr>
-        </p:pic>
-        <p:sp>
-          <p:nvSpPr>
-            <p:cNvPr id="11" name="Rectángulo 10"/>
-            <p:cNvSpPr/>
-            <p:nvPr/>
-          </p:nvSpPr>
-          <p:spPr>
-            <a:xfrm>
-              <a:off x="5732060" y="2251881"/>
-              <a:ext cx="2961564" cy="2770495"/>
-            </a:xfrm>
-            <a:prstGeom prst="rect">
-              <a:avLst/>
-            </a:prstGeom>
-            <a:noFill/>
-            <a:ln w="28575">
-              <a:solidFill>
-                <a:schemeClr val="tx1">
-                  <a:lumMod val="85000"/>
-                  <a:lumOff val="15000"/>
-                </a:schemeClr>
-              </a:solidFill>
-            </a:ln>
-          </p:spPr>
-          <p:style>
-            <a:lnRef idx="2">
-              <a:schemeClr val="accent1">
-                <a:shade val="50000"/>
-              </a:schemeClr>
-            </a:lnRef>
-            <a:fillRef idx="1">
-              <a:schemeClr val="accent1"/>
-            </a:fillRef>
-            <a:effectRef idx="0">
-              <a:schemeClr val="accent1"/>
-            </a:effectRef>
-            <a:fontRef idx="minor">
-              <a:schemeClr val="lt1"/>
-            </a:fontRef>
-          </p:style>
-          <p:txBody>
-            <a:bodyPr rot="0" spcFirstLastPara="0" vertOverflow="overflow" horzOverflow="overflow" vert="horz" wrap="square" lIns="91440" tIns="45720" rIns="91440" bIns="45720" numCol="1" spcCol="0" rtlCol="0" fromWordArt="0" anchor="ctr" anchorCtr="0" forceAA="0" compatLnSpc="1">
-              <a:prstTxWarp prst="textNoShape">
-                <a:avLst/>
-              </a:prstTxWarp>
-              <a:noAutofit/>
-            </a:bodyPr>
-            <a:lstStyle/>
-            <a:p>
-              <a:pPr algn="ctr"/>
-              <a:endParaRPr lang="es-MX" sz="1632"/>
-            </a:p>
-          </p:txBody>
-        </p:sp>
-        <p:pic>
-          <p:nvPicPr>
-            <p:cNvPr id="12" name="Imagen 11"/>
-            <p:cNvPicPr>
-              <a:picLocks noChangeAspect="1"/>
-            </p:cNvPicPr>
-            <p:nvPr/>
-          </p:nvPicPr>
-          <p:blipFill rotWithShape="1">
-            <a:blip r:embed="rId4" cstate="print">
-              <a:extLst>
-                <a:ext uri="{28A0092B-C50C-407E-A947-70E740481C1C}">
-                  <a14:useLocalDpi xmlns:a14="http://schemas.microsoft.com/office/drawing/2010/main" val="0"/>
-                </a:ext>
-              </a:extLst>
-            </a:blip>
-            <a:srcRect l="47545" t="4887" b="55249"/>
-            <a:stretch/>
-          </p:blipFill>
-          <p:spPr>
-            <a:xfrm>
-              <a:off x="7129274" y="3766304"/>
-              <a:ext cx="1579779" cy="1024562"/>
-            </a:xfrm>
-            <a:prstGeom prst="rect">
-              <a:avLst/>
-            </a:prstGeom>
-          </p:spPr>
-        </p:pic>
-        <p:pic>
-          <p:nvPicPr>
-            <p:cNvPr id="13" name="Imagen 12"/>
-            <p:cNvPicPr>
-              <a:picLocks noChangeAspect="1"/>
-            </p:cNvPicPr>
-            <p:nvPr/>
-          </p:nvPicPr>
-          <p:blipFill rotWithShape="1">
-            <a:blip r:embed="rId5" cstate="print">
-              <a:extLst>
-                <a:ext uri="{28A0092B-C50C-407E-A947-70E740481C1C}">
-                  <a14:useLocalDpi xmlns:a14="http://schemas.microsoft.com/office/drawing/2010/main" val="0"/>
-                </a:ext>
-              </a:extLst>
-            </a:blip>
-            <a:srcRect l="1905" t="60942" r="50193" b="5868"/>
-            <a:stretch/>
-          </p:blipFill>
-          <p:spPr>
-            <a:xfrm>
-              <a:off x="7328793" y="2721059"/>
-              <a:ext cx="1398895" cy="827125"/>
-            </a:xfrm>
-            <a:prstGeom prst="rect">
-              <a:avLst/>
-            </a:prstGeom>
-          </p:spPr>
-        </p:pic>
-        <p:pic>
-          <p:nvPicPr>
-            <p:cNvPr id="14" name="Imagen 13"/>
-            <p:cNvPicPr>
-              <a:picLocks noChangeAspect="1"/>
-            </p:cNvPicPr>
-            <p:nvPr/>
-          </p:nvPicPr>
-          <p:blipFill rotWithShape="1">
-            <a:blip r:embed="rId6" cstate="print">
-              <a:extLst>
-                <a:ext uri="{28A0092B-C50C-407E-A947-70E740481C1C}">
-                  <a14:useLocalDpi xmlns:a14="http://schemas.microsoft.com/office/drawing/2010/main" val="0"/>
-                </a:ext>
-              </a:extLst>
-            </a:blip>
-            <a:srcRect l="7715" t="2048" r="62441" b="43600"/>
-            <a:stretch/>
-          </p:blipFill>
-          <p:spPr>
-            <a:xfrm>
-              <a:off x="6755429" y="2569197"/>
-              <a:ext cx="720398" cy="1119600"/>
-            </a:xfrm>
-            <a:prstGeom prst="rect">
-              <a:avLst/>
-            </a:prstGeom>
-          </p:spPr>
-        </p:pic>
-        <p:pic>
-          <p:nvPicPr>
-            <p:cNvPr id="15" name="Imagen 14"/>
-            <p:cNvPicPr>
-              <a:picLocks noChangeAspect="1"/>
-            </p:cNvPicPr>
-            <p:nvPr/>
-          </p:nvPicPr>
-          <p:blipFill rotWithShape="1">
-            <a:blip r:embed="rId7" cstate="print">
-              <a:extLst>
-                <a:ext uri="{28A0092B-C50C-407E-A947-70E740481C1C}">
-                  <a14:useLocalDpi xmlns:a14="http://schemas.microsoft.com/office/drawing/2010/main" val="0"/>
-                </a:ext>
-              </a:extLst>
-            </a:blip>
-            <a:srcRect l="58626" t="53120" r="1075" b="1439"/>
-            <a:stretch/>
-          </p:blipFill>
-          <p:spPr>
-            <a:xfrm>
-              <a:off x="5734664" y="2565567"/>
-              <a:ext cx="1164547" cy="1120601"/>
-            </a:xfrm>
-            <a:prstGeom prst="rect">
-              <a:avLst/>
-            </a:prstGeom>
-          </p:spPr>
-        </p:pic>
-        <p:pic>
-          <p:nvPicPr>
-            <p:cNvPr id="10" name="Imagen 9"/>
-            <p:cNvPicPr>
-              <a:picLocks noChangeAspect="1"/>
-            </p:cNvPicPr>
-            <p:nvPr/>
-          </p:nvPicPr>
-          <p:blipFill rotWithShape="1">
-            <a:blip r:embed="rId2" cstate="print">
-              <a:extLst>
-                <a:ext uri="{28A0092B-C50C-407E-A947-70E740481C1C}">
-                  <a14:useLocalDpi xmlns:a14="http://schemas.microsoft.com/office/drawing/2010/main" val="0"/>
-                </a:ext>
-              </a:extLst>
-            </a:blip>
-            <a:srcRect l="86734" t="92647" r="10422" b="2850"/>
-            <a:stretch/>
-          </p:blipFill>
-          <p:spPr>
-            <a:xfrm>
-              <a:off x="7648941" y="3745926"/>
-              <a:ext cx="245661" cy="259309"/>
-            </a:xfrm>
-            <a:prstGeom prst="rect">
-              <a:avLst/>
-            </a:prstGeom>
-          </p:spPr>
-        </p:pic>
-      </p:grpSp>
-      <p:sp>
-        <p:nvSpPr>
-          <p:cNvPr id="17" name="CuadroTexto 16"/>
-          <p:cNvSpPr txBox="1"/>
-          <p:nvPr/>
-        </p:nvSpPr>
-        <p:spPr>
-          <a:xfrm>
-            <a:off x="132061" y="107320"/>
-            <a:ext cx="444352" cy="523220"/>
-          </a:xfrm>
-          <a:prstGeom prst="rect">
-            <a:avLst/>
-          </a:prstGeom>
-          <a:noFill/>
-        </p:spPr>
-        <p:txBody>
-          <a:bodyPr wrap="none" rtlCol="0">
-            <a:spAutoFit/>
-          </a:bodyPr>
-          <a:lstStyle/>
-          <a:p>
-            <a:r>
-              <a:rPr lang="es-MX" sz="2800" dirty="0" smtClean="0">
-                <a:latin typeface="Times New Roman" panose="02020603050405020304" pitchFamily="18" charset="0"/>
-                <a:cs typeface="Times New Roman" panose="02020603050405020304" pitchFamily="18" charset="0"/>
-              </a:rPr>
-              <a:t>A</a:t>
-            </a:r>
-            <a:endParaRPr lang="es-MX" dirty="0">
-              <a:latin typeface="Times New Roman" panose="02020603050405020304" pitchFamily="18" charset="0"/>
-              <a:cs typeface="Times New Roman" panose="02020603050405020304" pitchFamily="18" charset="0"/>
-            </a:endParaRPr>
-          </a:p>
-        </p:txBody>
-      </p:sp>
-      <p:sp>
-        <p:nvSpPr>
-          <p:cNvPr id="18" name="CuadroTexto 17"/>
-          <p:cNvSpPr txBox="1"/>
-          <p:nvPr/>
-        </p:nvSpPr>
-        <p:spPr>
-          <a:xfrm>
-            <a:off x="8881744" y="107320"/>
-            <a:ext cx="423514" cy="523220"/>
-          </a:xfrm>
-          <a:prstGeom prst="rect">
-            <a:avLst/>
-          </a:prstGeom>
-          <a:noFill/>
-        </p:spPr>
-        <p:txBody>
-          <a:bodyPr wrap="none" rtlCol="0">
-            <a:spAutoFit/>
-          </a:bodyPr>
-          <a:lstStyle/>
-          <a:p>
-            <a:r>
-              <a:rPr lang="es-MX" sz="2800" dirty="0" smtClean="0">
-                <a:latin typeface="Times New Roman" panose="02020603050405020304" pitchFamily="18" charset="0"/>
-                <a:cs typeface="Times New Roman" panose="02020603050405020304" pitchFamily="18" charset="0"/>
-              </a:rPr>
-              <a:t>B</a:t>
-            </a:r>
-            <a:endParaRPr lang="es-MX" dirty="0">
-              <a:latin typeface="Times New Roman" panose="02020603050405020304" pitchFamily="18" charset="0"/>
-              <a:cs typeface="Times New Roman" panose="02020603050405020304" pitchFamily="18" charset="0"/>
-            </a:endParaRPr>
-          </a:p>
-        </p:txBody>
-      </p:sp>
       <p:pic>
         <p:nvPicPr>
-          <p:cNvPr id="2" name="Imagen 1"/>
+          <p:cNvPr id="4" name="Imagen 3"/>
           <p:cNvPicPr>
             <a:picLocks noChangeAspect="1"/>
           </p:cNvPicPr>
           <p:nvPr/>
         </p:nvPicPr>
         <p:blipFill>
-          <a:blip r:embed="rId8" cstate="print">
+          <a:blip r:embed="rId2" cstate="print">
             <a:extLst>
               <a:ext uri="{28A0092B-C50C-407E-A947-70E740481C1C}">
                 <a14:useLocalDpi xmlns:a14="http://schemas.microsoft.com/office/drawing/2010/main" val="0"/>
@@ -3456,8 +2993,598 @@
         </p:blipFill>
         <p:spPr>
           <a:xfrm>
-            <a:off x="6060478" y="3600526"/>
-            <a:ext cx="1293269" cy="1119600"/>
+            <a:off x="30130" y="0"/>
+            <a:ext cx="4317882" cy="8638049"/>
+          </a:xfrm>
+          <a:prstGeom prst="rect">
+            <a:avLst/>
+          </a:prstGeom>
+        </p:spPr>
+      </p:pic>
+      <p:sp>
+        <p:nvSpPr>
+          <p:cNvPr id="14" name="CuadroTexto 13"/>
+          <p:cNvSpPr txBox="1"/>
+          <p:nvPr/>
+        </p:nvSpPr>
+        <p:spPr>
+          <a:xfrm>
+            <a:off x="3010435" y="4357951"/>
+            <a:ext cx="569387" cy="400110"/>
+          </a:xfrm>
+          <a:prstGeom prst="rect">
+            <a:avLst/>
+          </a:prstGeom>
+          <a:noFill/>
+        </p:spPr>
+        <p:txBody>
+          <a:bodyPr wrap="none" rtlCol="0">
+            <a:spAutoFit/>
+          </a:bodyPr>
+          <a:lstStyle/>
+          <a:p>
+            <a:r>
+              <a:rPr lang="es-MX" sz="2000" dirty="0" smtClean="0">
+                <a:latin typeface="Times New Roman" panose="02020603050405020304" pitchFamily="18" charset="0"/>
+                <a:cs typeface="Times New Roman" panose="02020603050405020304" pitchFamily="18" charset="0"/>
+              </a:rPr>
+              <a:t>***</a:t>
+            </a:r>
+            <a:endParaRPr lang="es-MX" sz="2000" dirty="0">
+              <a:latin typeface="Times New Roman" panose="02020603050405020304" pitchFamily="18" charset="0"/>
+              <a:cs typeface="Times New Roman" panose="02020603050405020304" pitchFamily="18" charset="0"/>
+            </a:endParaRPr>
+          </a:p>
+        </p:txBody>
+      </p:sp>
+      <p:pic>
+        <p:nvPicPr>
+          <p:cNvPr id="22" name="Imagen 21"/>
+          <p:cNvPicPr>
+            <a:picLocks noChangeAspect="1"/>
+          </p:cNvPicPr>
+          <p:nvPr/>
+        </p:nvPicPr>
+        <p:blipFill rotWithShape="1">
+          <a:blip r:embed="rId3" cstate="print">
+            <a:extLst>
+              <a:ext uri="{28A0092B-C50C-407E-A947-70E740481C1C}">
+                <a14:useLocalDpi xmlns:a14="http://schemas.microsoft.com/office/drawing/2010/main" val="0"/>
+              </a:ext>
+            </a:extLst>
+          </a:blip>
+          <a:srcRect r="55556" b="44750"/>
+          <a:stretch/>
+        </p:blipFill>
+        <p:spPr>
+          <a:xfrm>
+            <a:off x="3661679" y="1485662"/>
+            <a:ext cx="643336" cy="682493"/>
+          </a:xfrm>
+          <a:prstGeom prst="rect">
+            <a:avLst/>
+          </a:prstGeom>
+        </p:spPr>
+      </p:pic>
+      <p:pic>
+        <p:nvPicPr>
+          <p:cNvPr id="28" name="Imagen 27"/>
+          <p:cNvPicPr>
+            <a:picLocks noChangeAspect="1"/>
+          </p:cNvPicPr>
+          <p:nvPr/>
+        </p:nvPicPr>
+        <p:blipFill rotWithShape="1">
+          <a:blip r:embed="rId4" cstate="print">
+            <a:extLst>
+              <a:ext uri="{28A0092B-C50C-407E-A947-70E740481C1C}">
+                <a14:useLocalDpi xmlns:a14="http://schemas.microsoft.com/office/drawing/2010/main" val="0"/>
+              </a:ext>
+            </a:extLst>
+          </a:blip>
+          <a:srcRect l="58352" t="54885"/>
+          <a:stretch/>
+        </p:blipFill>
+        <p:spPr>
+          <a:xfrm>
+            <a:off x="3691273" y="505227"/>
+            <a:ext cx="584148" cy="540000"/>
+          </a:xfrm>
+          <a:prstGeom prst="rect">
+            <a:avLst/>
+          </a:prstGeom>
+        </p:spPr>
+      </p:pic>
+      <p:pic>
+        <p:nvPicPr>
+          <p:cNvPr id="29" name="Imagen 28"/>
+          <p:cNvPicPr>
+            <a:picLocks noChangeAspect="1"/>
+          </p:cNvPicPr>
+          <p:nvPr/>
+        </p:nvPicPr>
+        <p:blipFill rotWithShape="1">
+          <a:blip r:embed="rId5" cstate="print">
+            <a:extLst>
+              <a:ext uri="{28A0092B-C50C-407E-A947-70E740481C1C}">
+                <a14:useLocalDpi xmlns:a14="http://schemas.microsoft.com/office/drawing/2010/main" val="0"/>
+              </a:ext>
+            </a:extLst>
+          </a:blip>
+          <a:srcRect l="2944" t="60277" r="50117"/>
+          <a:stretch/>
+        </p:blipFill>
+        <p:spPr>
+          <a:xfrm>
+            <a:off x="3295129" y="2851775"/>
+            <a:ext cx="968632" cy="699526"/>
+          </a:xfrm>
+          <a:prstGeom prst="rect">
+            <a:avLst/>
+          </a:prstGeom>
+        </p:spPr>
+      </p:pic>
+      <p:pic>
+        <p:nvPicPr>
+          <p:cNvPr id="30" name="Imagen 29"/>
+          <p:cNvPicPr>
+            <a:picLocks noChangeAspect="1"/>
+          </p:cNvPicPr>
+          <p:nvPr/>
+        </p:nvPicPr>
+        <p:blipFill rotWithShape="1">
+          <a:blip r:embed="rId6" cstate="print">
+            <a:extLst>
+              <a:ext uri="{28A0092B-C50C-407E-A947-70E740481C1C}">
+                <a14:useLocalDpi xmlns:a14="http://schemas.microsoft.com/office/drawing/2010/main" val="0"/>
+              </a:ext>
+            </a:extLst>
+          </a:blip>
+          <a:srcRect l="47905" t="1466" r="3498" b="57335"/>
+          <a:stretch/>
+        </p:blipFill>
+        <p:spPr>
+          <a:xfrm>
+            <a:off x="3422027" y="5509875"/>
+            <a:ext cx="819940" cy="593214"/>
+          </a:xfrm>
+          <a:prstGeom prst="rect">
+            <a:avLst/>
+          </a:prstGeom>
+        </p:spPr>
+      </p:pic>
+      <p:sp>
+        <p:nvSpPr>
+          <p:cNvPr id="2" name="Abrir llave 1"/>
+          <p:cNvSpPr/>
+          <p:nvPr/>
+        </p:nvSpPr>
+        <p:spPr>
+          <a:xfrm rot="5400000">
+            <a:off x="2586879" y="2799703"/>
+            <a:ext cx="96307" cy="3072739"/>
+          </a:xfrm>
+          <a:prstGeom prst="leftBrace">
+            <a:avLst>
+              <a:gd name="adj1" fmla="val 8333"/>
+              <a:gd name="adj2" fmla="val 29248"/>
+            </a:avLst>
+          </a:prstGeom>
+          <a:ln w="19050">
+            <a:solidFill>
+              <a:schemeClr val="tx1">
+                <a:lumMod val="95000"/>
+                <a:lumOff val="5000"/>
+              </a:schemeClr>
+            </a:solidFill>
+          </a:ln>
+        </p:spPr>
+        <p:style>
+          <a:lnRef idx="1">
+            <a:schemeClr val="accent1"/>
+          </a:lnRef>
+          <a:fillRef idx="0">
+            <a:schemeClr val="accent1"/>
+          </a:fillRef>
+          <a:effectRef idx="0">
+            <a:schemeClr val="accent1"/>
+          </a:effectRef>
+          <a:fontRef idx="minor">
+            <a:schemeClr val="tx1"/>
+          </a:fontRef>
+        </p:style>
+        <p:txBody>
+          <a:bodyPr rtlCol="0" anchor="ctr"/>
+          <a:lstStyle/>
+          <a:p>
+            <a:pPr algn="ctr"/>
+            <a:endParaRPr lang="es-MX"/>
+          </a:p>
+        </p:txBody>
+      </p:sp>
+      <p:sp>
+        <p:nvSpPr>
+          <p:cNvPr id="31" name="Abrir llave 30"/>
+          <p:cNvSpPr/>
+          <p:nvPr/>
+        </p:nvSpPr>
+        <p:spPr>
+          <a:xfrm rot="5400000">
+            <a:off x="2846097" y="3118221"/>
+            <a:ext cx="155605" cy="2495002"/>
+          </a:xfrm>
+          <a:prstGeom prst="leftBrace">
+            <a:avLst>
+              <a:gd name="adj1" fmla="val 8333"/>
+              <a:gd name="adj2" fmla="val 36058"/>
+            </a:avLst>
+          </a:prstGeom>
+          <a:ln w="19050">
+            <a:solidFill>
+              <a:schemeClr val="tx1">
+                <a:lumMod val="95000"/>
+                <a:lumOff val="5000"/>
+              </a:schemeClr>
+            </a:solidFill>
+          </a:ln>
+        </p:spPr>
+        <p:style>
+          <a:lnRef idx="1">
+            <a:schemeClr val="accent1"/>
+          </a:lnRef>
+          <a:fillRef idx="0">
+            <a:schemeClr val="accent1"/>
+          </a:fillRef>
+          <a:effectRef idx="0">
+            <a:schemeClr val="accent1"/>
+          </a:effectRef>
+          <a:fontRef idx="minor">
+            <a:schemeClr val="tx1"/>
+          </a:fontRef>
+        </p:style>
+        <p:txBody>
+          <a:bodyPr rtlCol="0" anchor="ctr"/>
+          <a:lstStyle/>
+          <a:p>
+            <a:pPr algn="ctr"/>
+            <a:endParaRPr lang="es-MX"/>
+          </a:p>
+        </p:txBody>
+      </p:sp>
+      <p:sp>
+        <p:nvSpPr>
+          <p:cNvPr id="32" name="Abrir llave 31"/>
+          <p:cNvSpPr/>
+          <p:nvPr/>
+        </p:nvSpPr>
+        <p:spPr>
+          <a:xfrm rot="5400000">
+            <a:off x="3127403" y="3400273"/>
+            <a:ext cx="72000" cy="2016000"/>
+          </a:xfrm>
+          <a:prstGeom prst="leftBrace">
+            <a:avLst>
+              <a:gd name="adj1" fmla="val 8333"/>
+              <a:gd name="adj2" fmla="val 44539"/>
+            </a:avLst>
+          </a:prstGeom>
+          <a:ln w="19050">
+            <a:solidFill>
+              <a:schemeClr val="tx1">
+                <a:lumMod val="95000"/>
+                <a:lumOff val="5000"/>
+              </a:schemeClr>
+            </a:solidFill>
+          </a:ln>
+        </p:spPr>
+        <p:style>
+          <a:lnRef idx="1">
+            <a:schemeClr val="accent1"/>
+          </a:lnRef>
+          <a:fillRef idx="0">
+            <a:schemeClr val="accent1"/>
+          </a:fillRef>
+          <a:effectRef idx="0">
+            <a:schemeClr val="accent1"/>
+          </a:effectRef>
+          <a:fontRef idx="minor">
+            <a:schemeClr val="tx1"/>
+          </a:fontRef>
+        </p:style>
+        <p:txBody>
+          <a:bodyPr rtlCol="0" anchor="ctr"/>
+          <a:lstStyle/>
+          <a:p>
+            <a:pPr algn="ctr"/>
+            <a:endParaRPr lang="es-MX"/>
+          </a:p>
+        </p:txBody>
+      </p:sp>
+      <p:sp>
+        <p:nvSpPr>
+          <p:cNvPr id="37" name="Abrir llave 36"/>
+          <p:cNvSpPr/>
+          <p:nvPr/>
+        </p:nvSpPr>
+        <p:spPr>
+          <a:xfrm rot="5400000">
+            <a:off x="2376455" y="-843563"/>
+            <a:ext cx="86375" cy="2641957"/>
+          </a:xfrm>
+          <a:prstGeom prst="leftBrace">
+            <a:avLst>
+              <a:gd name="adj1" fmla="val 8333"/>
+              <a:gd name="adj2" fmla="val 49432"/>
+            </a:avLst>
+          </a:prstGeom>
+          <a:ln w="19050">
+            <a:solidFill>
+              <a:schemeClr val="tx1">
+                <a:lumMod val="95000"/>
+                <a:lumOff val="5000"/>
+              </a:schemeClr>
+            </a:solidFill>
+          </a:ln>
+        </p:spPr>
+        <p:style>
+          <a:lnRef idx="1">
+            <a:schemeClr val="accent1"/>
+          </a:lnRef>
+          <a:fillRef idx="0">
+            <a:schemeClr val="accent1"/>
+          </a:fillRef>
+          <a:effectRef idx="0">
+            <a:schemeClr val="accent1"/>
+          </a:effectRef>
+          <a:fontRef idx="minor">
+            <a:schemeClr val="tx1"/>
+          </a:fontRef>
+        </p:style>
+        <p:txBody>
+          <a:bodyPr rtlCol="0" anchor="ctr"/>
+          <a:lstStyle/>
+          <a:p>
+            <a:pPr algn="ctr"/>
+            <a:endParaRPr lang="es-MX"/>
+          </a:p>
+        </p:txBody>
+      </p:sp>
+      <p:sp>
+        <p:nvSpPr>
+          <p:cNvPr id="38" name="CuadroTexto 37"/>
+          <p:cNvSpPr txBox="1"/>
+          <p:nvPr/>
+        </p:nvSpPr>
+        <p:spPr>
+          <a:xfrm>
+            <a:off x="2144473" y="104654"/>
+            <a:ext cx="569387" cy="400110"/>
+          </a:xfrm>
+          <a:prstGeom prst="rect">
+            <a:avLst/>
+          </a:prstGeom>
+          <a:noFill/>
+        </p:spPr>
+        <p:txBody>
+          <a:bodyPr wrap="none" rtlCol="0">
+            <a:spAutoFit/>
+          </a:bodyPr>
+          <a:lstStyle/>
+          <a:p>
+            <a:r>
+              <a:rPr lang="es-MX" sz="2000" dirty="0" smtClean="0">
+                <a:latin typeface="Times New Roman" panose="02020603050405020304" pitchFamily="18" charset="0"/>
+                <a:cs typeface="Times New Roman" panose="02020603050405020304" pitchFamily="18" charset="0"/>
+              </a:rPr>
+              <a:t>***</a:t>
+            </a:r>
+            <a:endParaRPr lang="es-MX" sz="2000" dirty="0">
+              <a:latin typeface="Times New Roman" panose="02020603050405020304" pitchFamily="18" charset="0"/>
+              <a:cs typeface="Times New Roman" panose="02020603050405020304" pitchFamily="18" charset="0"/>
+            </a:endParaRPr>
+          </a:p>
+        </p:txBody>
+      </p:sp>
+      <p:sp>
+        <p:nvSpPr>
+          <p:cNvPr id="3" name="CuadroTexto 2"/>
+          <p:cNvSpPr txBox="1"/>
+          <p:nvPr/>
+        </p:nvSpPr>
+        <p:spPr>
+          <a:xfrm>
+            <a:off x="345396" y="8504"/>
+            <a:ext cx="298480" cy="280846"/>
+          </a:xfrm>
+          <a:prstGeom prst="rect">
+            <a:avLst/>
+          </a:prstGeom>
+          <a:noFill/>
+        </p:spPr>
+        <p:txBody>
+          <a:bodyPr wrap="none" rtlCol="0">
+            <a:spAutoFit/>
+          </a:bodyPr>
+          <a:lstStyle/>
+          <a:p>
+            <a:r>
+              <a:rPr lang="es-MX" b="1" dirty="0" smtClean="0">
+                <a:latin typeface="Times New Roman" panose="02020603050405020304" pitchFamily="18" charset="0"/>
+                <a:cs typeface="Times New Roman" panose="02020603050405020304" pitchFamily="18" charset="0"/>
+              </a:rPr>
+              <a:t>A</a:t>
+            </a:r>
+            <a:endParaRPr lang="es-MX" b="1" dirty="0">
+              <a:latin typeface="Times New Roman" panose="02020603050405020304" pitchFamily="18" charset="0"/>
+              <a:cs typeface="Times New Roman" panose="02020603050405020304" pitchFamily="18" charset="0"/>
+            </a:endParaRPr>
+          </a:p>
+        </p:txBody>
+      </p:sp>
+      <p:sp>
+        <p:nvSpPr>
+          <p:cNvPr id="15" name="CuadroTexto 14"/>
+          <p:cNvSpPr txBox="1"/>
+          <p:nvPr/>
+        </p:nvSpPr>
+        <p:spPr>
+          <a:xfrm>
+            <a:off x="345396" y="1378012"/>
+            <a:ext cx="298480" cy="280846"/>
+          </a:xfrm>
+          <a:prstGeom prst="rect">
+            <a:avLst/>
+          </a:prstGeom>
+          <a:noFill/>
+        </p:spPr>
+        <p:txBody>
+          <a:bodyPr wrap="none" rtlCol="0">
+            <a:spAutoFit/>
+          </a:bodyPr>
+          <a:lstStyle/>
+          <a:p>
+            <a:r>
+              <a:rPr lang="es-MX" b="1" dirty="0" smtClean="0">
+                <a:latin typeface="Times New Roman" panose="02020603050405020304" pitchFamily="18" charset="0"/>
+                <a:cs typeface="Times New Roman" panose="02020603050405020304" pitchFamily="18" charset="0"/>
+              </a:rPr>
+              <a:t>B</a:t>
+            </a:r>
+            <a:endParaRPr lang="es-MX" b="1" dirty="0">
+              <a:latin typeface="Times New Roman" panose="02020603050405020304" pitchFamily="18" charset="0"/>
+              <a:cs typeface="Times New Roman" panose="02020603050405020304" pitchFamily="18" charset="0"/>
+            </a:endParaRPr>
+          </a:p>
+        </p:txBody>
+      </p:sp>
+      <p:sp>
+        <p:nvSpPr>
+          <p:cNvPr id="16" name="CuadroTexto 15"/>
+          <p:cNvSpPr txBox="1"/>
+          <p:nvPr/>
+        </p:nvSpPr>
+        <p:spPr>
+          <a:xfrm>
+            <a:off x="345396" y="2735615"/>
+            <a:ext cx="298480" cy="280846"/>
+          </a:xfrm>
+          <a:prstGeom prst="rect">
+            <a:avLst/>
+          </a:prstGeom>
+          <a:noFill/>
+        </p:spPr>
+        <p:txBody>
+          <a:bodyPr wrap="none" rtlCol="0">
+            <a:spAutoFit/>
+          </a:bodyPr>
+          <a:lstStyle/>
+          <a:p>
+            <a:r>
+              <a:rPr lang="es-MX" b="1" dirty="0">
+                <a:latin typeface="Times New Roman" panose="02020603050405020304" pitchFamily="18" charset="0"/>
+                <a:cs typeface="Times New Roman" panose="02020603050405020304" pitchFamily="18" charset="0"/>
+              </a:rPr>
+              <a:t>C</a:t>
+            </a:r>
+          </a:p>
+        </p:txBody>
+      </p:sp>
+      <p:sp>
+        <p:nvSpPr>
+          <p:cNvPr id="18" name="CuadroTexto 17"/>
+          <p:cNvSpPr txBox="1"/>
+          <p:nvPr/>
+        </p:nvSpPr>
+        <p:spPr>
+          <a:xfrm>
+            <a:off x="348936" y="4105543"/>
+            <a:ext cx="298480" cy="280846"/>
+          </a:xfrm>
+          <a:prstGeom prst="rect">
+            <a:avLst/>
+          </a:prstGeom>
+          <a:noFill/>
+        </p:spPr>
+        <p:txBody>
+          <a:bodyPr wrap="none" rtlCol="0">
+            <a:spAutoFit/>
+          </a:bodyPr>
+          <a:lstStyle/>
+          <a:p>
+            <a:r>
+              <a:rPr lang="es-MX" b="1" dirty="0" smtClean="0">
+                <a:latin typeface="Times New Roman" panose="02020603050405020304" pitchFamily="18" charset="0"/>
+                <a:cs typeface="Times New Roman" panose="02020603050405020304" pitchFamily="18" charset="0"/>
+              </a:rPr>
+              <a:t>D</a:t>
+            </a:r>
+            <a:endParaRPr lang="es-MX" b="1" dirty="0">
+              <a:latin typeface="Times New Roman" panose="02020603050405020304" pitchFamily="18" charset="0"/>
+              <a:cs typeface="Times New Roman" panose="02020603050405020304" pitchFamily="18" charset="0"/>
+            </a:endParaRPr>
+          </a:p>
+        </p:txBody>
+      </p:sp>
+      <p:sp>
+        <p:nvSpPr>
+          <p:cNvPr id="19" name="CuadroTexto 18"/>
+          <p:cNvSpPr txBox="1"/>
+          <p:nvPr/>
+        </p:nvSpPr>
+        <p:spPr>
+          <a:xfrm>
+            <a:off x="352477" y="5486105"/>
+            <a:ext cx="288862" cy="280846"/>
+          </a:xfrm>
+          <a:prstGeom prst="rect">
+            <a:avLst/>
+          </a:prstGeom>
+          <a:noFill/>
+        </p:spPr>
+        <p:txBody>
+          <a:bodyPr wrap="none" rtlCol="0">
+            <a:spAutoFit/>
+          </a:bodyPr>
+          <a:lstStyle/>
+          <a:p>
+            <a:r>
+              <a:rPr lang="es-MX" b="1" dirty="0" smtClean="0">
+                <a:latin typeface="Times New Roman" panose="02020603050405020304" pitchFamily="18" charset="0"/>
+                <a:cs typeface="Times New Roman" panose="02020603050405020304" pitchFamily="18" charset="0"/>
+              </a:rPr>
+              <a:t>E</a:t>
+            </a:r>
+            <a:endParaRPr lang="es-MX" b="1" dirty="0">
+              <a:latin typeface="Times New Roman" panose="02020603050405020304" pitchFamily="18" charset="0"/>
+              <a:cs typeface="Times New Roman" panose="02020603050405020304" pitchFamily="18" charset="0"/>
+            </a:endParaRPr>
+          </a:p>
+        </p:txBody>
+      </p:sp>
+      <p:pic>
+        <p:nvPicPr>
+          <p:cNvPr id="6" name="Imagen 5"/>
+          <p:cNvPicPr>
+            <a:picLocks noChangeAspect="1"/>
+          </p:cNvPicPr>
+          <p:nvPr/>
+        </p:nvPicPr>
+        <p:blipFill>
+          <a:blip r:embed="rId7" cstate="print">
+            <a:extLst>
+              <a:ext uri="{28A0092B-C50C-407E-A947-70E740481C1C}">
+                <a14:useLocalDpi xmlns:a14="http://schemas.microsoft.com/office/drawing/2010/main" val="0"/>
+              </a:ext>
+            </a:extLst>
+          </a:blip>
+          <a:stretch>
+            <a:fillRect/>
+          </a:stretch>
+        </p:blipFill>
+        <p:spPr>
+          <a:xfrm>
+            <a:off x="2684383" y="4499327"/>
+            <a:ext cx="1056238" cy="914400"/>
           </a:xfrm>
           <a:prstGeom prst="rect">
             <a:avLst/>
@@ -3467,7 +3594,7 @@
     </p:spTree>
     <p:extLst>
       <p:ext uri="{BB962C8B-B14F-4D97-AF65-F5344CB8AC3E}">
-        <p14:creationId xmlns:p14="http://schemas.microsoft.com/office/powerpoint/2010/main" val="2346394289"/>
+        <p14:creationId xmlns:p14="http://schemas.microsoft.com/office/powerpoint/2010/main" val="2008004255"/>
       </p:ext>
     </p:extLst>
   </p:cSld>

--- a/Windows/Figures/Editing_Figure4.pptx
+++ b/Windows/Figures/Editing_Figure4.pptx
@@ -2994,49 +2994,13 @@
         <p:spPr>
           <a:xfrm>
             <a:off x="30130" y="0"/>
-            <a:ext cx="4317882" cy="8638049"/>
+            <a:ext cx="4317881" cy="8638049"/>
           </a:xfrm>
           <a:prstGeom prst="rect">
             <a:avLst/>
           </a:prstGeom>
         </p:spPr>
       </p:pic>
-      <p:sp>
-        <p:nvSpPr>
-          <p:cNvPr id="14" name="CuadroTexto 13"/>
-          <p:cNvSpPr txBox="1"/>
-          <p:nvPr/>
-        </p:nvSpPr>
-        <p:spPr>
-          <a:xfrm>
-            <a:off x="3010435" y="4357951"/>
-            <a:ext cx="569387" cy="400110"/>
-          </a:xfrm>
-          <a:prstGeom prst="rect">
-            <a:avLst/>
-          </a:prstGeom>
-          <a:noFill/>
-        </p:spPr>
-        <p:txBody>
-          <a:bodyPr wrap="none" rtlCol="0">
-            <a:spAutoFit/>
-          </a:bodyPr>
-          <a:lstStyle/>
-          <a:p>
-            <a:r>
-              <a:rPr lang="es-MX" sz="2000" dirty="0" smtClean="0">
-                <a:latin typeface="Times New Roman" panose="02020603050405020304" pitchFamily="18" charset="0"/>
-                <a:cs typeface="Times New Roman" panose="02020603050405020304" pitchFamily="18" charset="0"/>
-              </a:rPr>
-              <a:t>***</a:t>
-            </a:r>
-            <a:endParaRPr lang="es-MX" sz="2000" dirty="0">
-              <a:latin typeface="Times New Roman" panose="02020603050405020304" pitchFamily="18" charset="0"/>
-              <a:cs typeface="Times New Roman" panose="02020603050405020304" pitchFamily="18" charset="0"/>
-            </a:endParaRPr>
-          </a:p>
-        </p:txBody>
-      </p:sp>
       <p:pic>
         <p:nvPicPr>
           <p:cNvPr id="22" name="Imagen 21"/>
@@ -3116,8 +3080,8 @@
         </p:blipFill>
         <p:spPr>
           <a:xfrm>
-            <a:off x="3295129" y="2851775"/>
-            <a:ext cx="968632" cy="699526"/>
+            <a:off x="1077097" y="2798066"/>
+            <a:ext cx="719568" cy="519657"/>
           </a:xfrm>
           <a:prstGeom prst="rect">
             <a:avLst/>
@@ -3153,153 +3117,204 @@
           </a:prstGeom>
         </p:spPr>
       </p:pic>
-      <p:sp>
-        <p:nvSpPr>
-          <p:cNvPr id="2" name="Abrir llave 1"/>
-          <p:cNvSpPr/>
+      <p:grpSp>
+        <p:nvGrpSpPr>
+          <p:cNvPr id="5" name="Grupo 4"/>
+          <p:cNvGrpSpPr/>
           <p:nvPr/>
-        </p:nvSpPr>
-        <p:spPr>
-          <a:xfrm rot="5400000">
-            <a:off x="2586879" y="2799703"/>
-            <a:ext cx="96307" cy="3072739"/>
+        </p:nvGrpSpPr>
+        <p:grpSpPr>
+          <a:xfrm>
+            <a:off x="1098663" y="4287919"/>
+            <a:ext cx="3072740" cy="470142"/>
+            <a:chOff x="1098663" y="4287919"/>
+            <a:chExt cx="3072740" cy="470142"/>
           </a:xfrm>
-          <a:prstGeom prst="leftBrace">
-            <a:avLst>
-              <a:gd name="adj1" fmla="val 8333"/>
-              <a:gd name="adj2" fmla="val 29248"/>
-            </a:avLst>
-          </a:prstGeom>
-          <a:ln w="19050">
-            <a:solidFill>
-              <a:schemeClr val="tx1">
-                <a:lumMod val="95000"/>
-                <a:lumOff val="5000"/>
-              </a:schemeClr>
-            </a:solidFill>
-          </a:ln>
-        </p:spPr>
-        <p:style>
-          <a:lnRef idx="1">
-            <a:schemeClr val="accent1"/>
-          </a:lnRef>
-          <a:fillRef idx="0">
-            <a:schemeClr val="accent1"/>
-          </a:fillRef>
-          <a:effectRef idx="0">
-            <a:schemeClr val="accent1"/>
-          </a:effectRef>
-          <a:fontRef idx="minor">
-            <a:schemeClr val="tx1"/>
-          </a:fontRef>
-        </p:style>
-        <p:txBody>
-          <a:bodyPr rtlCol="0" anchor="ctr"/>
-          <a:lstStyle/>
-          <a:p>
-            <a:pPr algn="ctr"/>
-            <a:endParaRPr lang="es-MX"/>
-          </a:p>
-        </p:txBody>
-      </p:sp>
-      <p:sp>
-        <p:nvSpPr>
-          <p:cNvPr id="31" name="Abrir llave 30"/>
-          <p:cNvSpPr/>
-          <p:nvPr/>
-        </p:nvSpPr>
-        <p:spPr>
-          <a:xfrm rot="5400000">
-            <a:off x="2846097" y="3118221"/>
-            <a:ext cx="155605" cy="2495002"/>
-          </a:xfrm>
-          <a:prstGeom prst="leftBrace">
-            <a:avLst>
-              <a:gd name="adj1" fmla="val 8333"/>
-              <a:gd name="adj2" fmla="val 36058"/>
-            </a:avLst>
-          </a:prstGeom>
-          <a:ln w="19050">
-            <a:solidFill>
-              <a:schemeClr val="tx1">
-                <a:lumMod val="95000"/>
-                <a:lumOff val="5000"/>
-              </a:schemeClr>
-            </a:solidFill>
-          </a:ln>
-        </p:spPr>
-        <p:style>
-          <a:lnRef idx="1">
-            <a:schemeClr val="accent1"/>
-          </a:lnRef>
-          <a:fillRef idx="0">
-            <a:schemeClr val="accent1"/>
-          </a:fillRef>
-          <a:effectRef idx="0">
-            <a:schemeClr val="accent1"/>
-          </a:effectRef>
-          <a:fontRef idx="minor">
-            <a:schemeClr val="tx1"/>
-          </a:fontRef>
-        </p:style>
-        <p:txBody>
-          <a:bodyPr rtlCol="0" anchor="ctr"/>
-          <a:lstStyle/>
-          <a:p>
-            <a:pPr algn="ctr"/>
-            <a:endParaRPr lang="es-MX"/>
-          </a:p>
-        </p:txBody>
-      </p:sp>
-      <p:sp>
-        <p:nvSpPr>
-          <p:cNvPr id="32" name="Abrir llave 31"/>
-          <p:cNvSpPr/>
-          <p:nvPr/>
-        </p:nvSpPr>
-        <p:spPr>
-          <a:xfrm rot="5400000">
-            <a:off x="3127403" y="3400273"/>
-            <a:ext cx="72000" cy="2016000"/>
-          </a:xfrm>
-          <a:prstGeom prst="leftBrace">
-            <a:avLst>
-              <a:gd name="adj1" fmla="val 8333"/>
-              <a:gd name="adj2" fmla="val 44539"/>
-            </a:avLst>
-          </a:prstGeom>
-          <a:ln w="19050">
-            <a:solidFill>
-              <a:schemeClr val="tx1">
-                <a:lumMod val="95000"/>
-                <a:lumOff val="5000"/>
-              </a:schemeClr>
-            </a:solidFill>
-          </a:ln>
-        </p:spPr>
-        <p:style>
-          <a:lnRef idx="1">
-            <a:schemeClr val="accent1"/>
-          </a:lnRef>
-          <a:fillRef idx="0">
-            <a:schemeClr val="accent1"/>
-          </a:fillRef>
-          <a:effectRef idx="0">
-            <a:schemeClr val="accent1"/>
-          </a:effectRef>
-          <a:fontRef idx="minor">
-            <a:schemeClr val="tx1"/>
-          </a:fontRef>
-        </p:style>
-        <p:txBody>
-          <a:bodyPr rtlCol="0" anchor="ctr"/>
-          <a:lstStyle/>
-          <a:p>
-            <a:pPr algn="ctr"/>
-            <a:endParaRPr lang="es-MX"/>
-          </a:p>
-        </p:txBody>
-      </p:sp>
+        </p:grpSpPr>
+        <p:sp>
+          <p:nvSpPr>
+            <p:cNvPr id="14" name="CuadroTexto 13"/>
+            <p:cNvSpPr txBox="1"/>
+            <p:nvPr/>
+          </p:nvSpPr>
+          <p:spPr>
+            <a:xfrm>
+              <a:off x="3010435" y="4357951"/>
+              <a:ext cx="569387" cy="400110"/>
+            </a:xfrm>
+            <a:prstGeom prst="rect">
+              <a:avLst/>
+            </a:prstGeom>
+            <a:noFill/>
+          </p:spPr>
+          <p:txBody>
+            <a:bodyPr wrap="none" rtlCol="0">
+              <a:spAutoFit/>
+            </a:bodyPr>
+            <a:lstStyle/>
+            <a:p>
+              <a:r>
+                <a:rPr lang="es-MX" sz="2000" dirty="0" smtClean="0">
+                  <a:latin typeface="Times New Roman" panose="02020603050405020304" pitchFamily="18" charset="0"/>
+                  <a:cs typeface="Times New Roman" panose="02020603050405020304" pitchFamily="18" charset="0"/>
+                </a:rPr>
+                <a:t>***</a:t>
+              </a:r>
+              <a:endParaRPr lang="es-MX" sz="2000" dirty="0">
+                <a:latin typeface="Times New Roman" panose="02020603050405020304" pitchFamily="18" charset="0"/>
+                <a:cs typeface="Times New Roman" panose="02020603050405020304" pitchFamily="18" charset="0"/>
+              </a:endParaRPr>
+            </a:p>
+          </p:txBody>
+        </p:sp>
+        <p:sp>
+          <p:nvSpPr>
+            <p:cNvPr id="2" name="Abrir llave 1"/>
+            <p:cNvSpPr/>
+            <p:nvPr/>
+          </p:nvSpPr>
+          <p:spPr>
+            <a:xfrm rot="5400000">
+              <a:off x="2586879" y="2799703"/>
+              <a:ext cx="96307" cy="3072739"/>
+            </a:xfrm>
+            <a:prstGeom prst="leftBrace">
+              <a:avLst>
+                <a:gd name="adj1" fmla="val 8333"/>
+                <a:gd name="adj2" fmla="val 29248"/>
+              </a:avLst>
+            </a:prstGeom>
+            <a:ln w="19050">
+              <a:solidFill>
+                <a:schemeClr val="tx1">
+                  <a:lumMod val="95000"/>
+                  <a:lumOff val="5000"/>
+                </a:schemeClr>
+              </a:solidFill>
+            </a:ln>
+          </p:spPr>
+          <p:style>
+            <a:lnRef idx="1">
+              <a:schemeClr val="accent1"/>
+            </a:lnRef>
+            <a:fillRef idx="0">
+              <a:schemeClr val="accent1"/>
+            </a:fillRef>
+            <a:effectRef idx="0">
+              <a:schemeClr val="accent1"/>
+            </a:effectRef>
+            <a:fontRef idx="minor">
+              <a:schemeClr val="tx1"/>
+            </a:fontRef>
+          </p:style>
+          <p:txBody>
+            <a:bodyPr rtlCol="0" anchor="ctr"/>
+            <a:lstStyle/>
+            <a:p>
+              <a:pPr algn="ctr"/>
+              <a:endParaRPr lang="es-MX"/>
+            </a:p>
+          </p:txBody>
+        </p:sp>
+        <p:sp>
+          <p:nvSpPr>
+            <p:cNvPr id="31" name="Abrir llave 30"/>
+            <p:cNvSpPr/>
+            <p:nvPr/>
+          </p:nvSpPr>
+          <p:spPr>
+            <a:xfrm rot="5400000">
+              <a:off x="2846097" y="3118221"/>
+              <a:ext cx="155605" cy="2495002"/>
+            </a:xfrm>
+            <a:prstGeom prst="leftBrace">
+              <a:avLst>
+                <a:gd name="adj1" fmla="val 8333"/>
+                <a:gd name="adj2" fmla="val 36058"/>
+              </a:avLst>
+            </a:prstGeom>
+            <a:ln w="19050">
+              <a:solidFill>
+                <a:schemeClr val="tx1">
+                  <a:lumMod val="95000"/>
+                  <a:lumOff val="5000"/>
+                </a:schemeClr>
+              </a:solidFill>
+            </a:ln>
+          </p:spPr>
+          <p:style>
+            <a:lnRef idx="1">
+              <a:schemeClr val="accent1"/>
+            </a:lnRef>
+            <a:fillRef idx="0">
+              <a:schemeClr val="accent1"/>
+            </a:fillRef>
+            <a:effectRef idx="0">
+              <a:schemeClr val="accent1"/>
+            </a:effectRef>
+            <a:fontRef idx="minor">
+              <a:schemeClr val="tx1"/>
+            </a:fontRef>
+          </p:style>
+          <p:txBody>
+            <a:bodyPr rtlCol="0" anchor="ctr"/>
+            <a:lstStyle/>
+            <a:p>
+              <a:pPr algn="ctr"/>
+              <a:endParaRPr lang="es-MX"/>
+            </a:p>
+          </p:txBody>
+        </p:sp>
+        <p:sp>
+          <p:nvSpPr>
+            <p:cNvPr id="32" name="Abrir llave 31"/>
+            <p:cNvSpPr/>
+            <p:nvPr/>
+          </p:nvSpPr>
+          <p:spPr>
+            <a:xfrm rot="5400000">
+              <a:off x="3127403" y="3400273"/>
+              <a:ext cx="72000" cy="2016000"/>
+            </a:xfrm>
+            <a:prstGeom prst="leftBrace">
+              <a:avLst>
+                <a:gd name="adj1" fmla="val 8333"/>
+                <a:gd name="adj2" fmla="val 44539"/>
+              </a:avLst>
+            </a:prstGeom>
+            <a:ln w="19050">
+              <a:solidFill>
+                <a:schemeClr val="tx1">
+                  <a:lumMod val="95000"/>
+                  <a:lumOff val="5000"/>
+                </a:schemeClr>
+              </a:solidFill>
+            </a:ln>
+          </p:spPr>
+          <p:style>
+            <a:lnRef idx="1">
+              <a:schemeClr val="accent1"/>
+            </a:lnRef>
+            <a:fillRef idx="0">
+              <a:schemeClr val="accent1"/>
+            </a:fillRef>
+            <a:effectRef idx="0">
+              <a:schemeClr val="accent1"/>
+            </a:effectRef>
+            <a:fontRef idx="minor">
+              <a:schemeClr val="tx1"/>
+            </a:fontRef>
+          </p:style>
+          <p:txBody>
+            <a:bodyPr rtlCol="0" anchor="ctr"/>
+            <a:lstStyle/>
+            <a:p>
+              <a:pPr algn="ctr"/>
+              <a:endParaRPr lang="es-MX"/>
+            </a:p>
+          </p:txBody>
+        </p:sp>
+      </p:grpSp>
       <p:sp>
         <p:nvSpPr>
           <p:cNvPr id="37" name="Abrir llave 36"/>
@@ -3591,6 +3606,204 @@
           </a:prstGeom>
         </p:spPr>
       </p:pic>
+      <p:grpSp>
+        <p:nvGrpSpPr>
+          <p:cNvPr id="20" name="Grupo 19"/>
+          <p:cNvGrpSpPr/>
+          <p:nvPr/>
+        </p:nvGrpSpPr>
+        <p:grpSpPr>
+          <a:xfrm>
+            <a:off x="1148013" y="2949291"/>
+            <a:ext cx="3072740" cy="476632"/>
+            <a:chOff x="1098663" y="3967641"/>
+            <a:chExt cx="3072740" cy="476632"/>
+          </a:xfrm>
+        </p:grpSpPr>
+        <p:sp>
+          <p:nvSpPr>
+            <p:cNvPr id="21" name="CuadroTexto 20"/>
+            <p:cNvSpPr txBox="1"/>
+            <p:nvPr/>
+          </p:nvSpPr>
+          <p:spPr>
+            <a:xfrm>
+              <a:off x="3060993" y="3967641"/>
+              <a:ext cx="441146" cy="400110"/>
+            </a:xfrm>
+            <a:prstGeom prst="rect">
+              <a:avLst/>
+            </a:prstGeom>
+            <a:noFill/>
+          </p:spPr>
+          <p:txBody>
+            <a:bodyPr wrap="none" rtlCol="0">
+              <a:spAutoFit/>
+            </a:bodyPr>
+            <a:lstStyle/>
+            <a:p>
+              <a:r>
+                <a:rPr lang="es-MX" sz="2000" dirty="0" smtClean="0">
+                  <a:latin typeface="Times New Roman" panose="02020603050405020304" pitchFamily="18" charset="0"/>
+                  <a:cs typeface="Times New Roman" panose="02020603050405020304" pitchFamily="18" charset="0"/>
+                </a:rPr>
+                <a:t>**</a:t>
+              </a:r>
+              <a:endParaRPr lang="es-MX" sz="2000" dirty="0">
+                <a:latin typeface="Times New Roman" panose="02020603050405020304" pitchFamily="18" charset="0"/>
+                <a:cs typeface="Times New Roman" panose="02020603050405020304" pitchFamily="18" charset="0"/>
+              </a:endParaRPr>
+            </a:p>
+          </p:txBody>
+        </p:sp>
+        <p:sp>
+          <p:nvSpPr>
+            <p:cNvPr id="23" name="Abrir llave 22"/>
+            <p:cNvSpPr/>
+            <p:nvPr/>
+          </p:nvSpPr>
+          <p:spPr>
+            <a:xfrm rot="5400000">
+              <a:off x="2586879" y="2799703"/>
+              <a:ext cx="96307" cy="3072739"/>
+            </a:xfrm>
+            <a:prstGeom prst="leftBrace">
+              <a:avLst>
+                <a:gd name="adj1" fmla="val 8333"/>
+                <a:gd name="adj2" fmla="val 29248"/>
+              </a:avLst>
+            </a:prstGeom>
+            <a:ln w="19050">
+              <a:solidFill>
+                <a:schemeClr val="tx1">
+                  <a:lumMod val="95000"/>
+                  <a:lumOff val="5000"/>
+                </a:schemeClr>
+              </a:solidFill>
+            </a:ln>
+          </p:spPr>
+          <p:style>
+            <a:lnRef idx="1">
+              <a:schemeClr val="accent1"/>
+            </a:lnRef>
+            <a:fillRef idx="0">
+              <a:schemeClr val="accent1"/>
+            </a:fillRef>
+            <a:effectRef idx="0">
+              <a:schemeClr val="accent1"/>
+            </a:effectRef>
+            <a:fontRef idx="minor">
+              <a:schemeClr val="tx1"/>
+            </a:fontRef>
+          </p:style>
+          <p:txBody>
+            <a:bodyPr rtlCol="0" anchor="ctr"/>
+            <a:lstStyle/>
+            <a:p>
+              <a:pPr algn="ctr"/>
+              <a:endParaRPr lang="es-MX"/>
+            </a:p>
+          </p:txBody>
+        </p:sp>
+        <p:sp>
+          <p:nvSpPr>
+            <p:cNvPr id="24" name="Abrir llave 23"/>
+            <p:cNvSpPr/>
+            <p:nvPr/>
+          </p:nvSpPr>
+          <p:spPr>
+            <a:xfrm rot="5400000">
+              <a:off x="2846097" y="3118221"/>
+              <a:ext cx="155605" cy="2495002"/>
+            </a:xfrm>
+            <a:prstGeom prst="leftBrace">
+              <a:avLst>
+                <a:gd name="adj1" fmla="val 8333"/>
+                <a:gd name="adj2" fmla="val 36058"/>
+              </a:avLst>
+            </a:prstGeom>
+            <a:ln w="19050">
+              <a:solidFill>
+                <a:schemeClr val="tx1">
+                  <a:lumMod val="95000"/>
+                  <a:lumOff val="5000"/>
+                </a:schemeClr>
+              </a:solidFill>
+            </a:ln>
+          </p:spPr>
+          <p:style>
+            <a:lnRef idx="1">
+              <a:schemeClr val="accent1"/>
+            </a:lnRef>
+            <a:fillRef idx="0">
+              <a:schemeClr val="accent1"/>
+            </a:fillRef>
+            <a:effectRef idx="0">
+              <a:schemeClr val="accent1"/>
+            </a:effectRef>
+            <a:fontRef idx="minor">
+              <a:schemeClr val="tx1"/>
+            </a:fontRef>
+          </p:style>
+          <p:txBody>
+            <a:bodyPr rtlCol="0" anchor="ctr"/>
+            <a:lstStyle/>
+            <a:p>
+              <a:pPr algn="ctr"/>
+              <a:endParaRPr lang="es-MX"/>
+            </a:p>
+          </p:txBody>
+        </p:sp>
+        <p:sp>
+          <p:nvSpPr>
+            <p:cNvPr id="25" name="Abrir llave 24"/>
+            <p:cNvSpPr/>
+            <p:nvPr/>
+          </p:nvSpPr>
+          <p:spPr>
+            <a:xfrm rot="5400000">
+              <a:off x="3127403" y="3400273"/>
+              <a:ext cx="72000" cy="2016000"/>
+            </a:xfrm>
+            <a:prstGeom prst="leftBrace">
+              <a:avLst>
+                <a:gd name="adj1" fmla="val 8333"/>
+                <a:gd name="adj2" fmla="val 44539"/>
+              </a:avLst>
+            </a:prstGeom>
+            <a:ln w="19050">
+              <a:solidFill>
+                <a:schemeClr val="tx1">
+                  <a:lumMod val="95000"/>
+                  <a:lumOff val="5000"/>
+                </a:schemeClr>
+              </a:solidFill>
+            </a:ln>
+          </p:spPr>
+          <p:style>
+            <a:lnRef idx="1">
+              <a:schemeClr val="accent1"/>
+            </a:lnRef>
+            <a:fillRef idx="0">
+              <a:schemeClr val="accent1"/>
+            </a:fillRef>
+            <a:effectRef idx="0">
+              <a:schemeClr val="accent1"/>
+            </a:effectRef>
+            <a:fontRef idx="minor">
+              <a:schemeClr val="tx1"/>
+            </a:fontRef>
+          </p:style>
+          <p:txBody>
+            <a:bodyPr rtlCol="0" anchor="ctr"/>
+            <a:lstStyle/>
+            <a:p>
+              <a:pPr algn="ctr"/>
+              <a:endParaRPr lang="es-MX"/>
+            </a:p>
+          </p:txBody>
+        </p:sp>
+      </p:grpSp>
     </p:spTree>
     <p:extLst>
       <p:ext uri="{BB962C8B-B14F-4D97-AF65-F5344CB8AC3E}">

--- a/Windows/Figures/Editing_Figure4.pptx
+++ b/Windows/Figures/Editing_Figure4.pptx
@@ -243,7 +243,7 @@
           <a:p>
             <a:fld id="{A4F7A466-0B4C-4C0F-803B-76CC4E5144BD}" type="datetimeFigureOut">
               <a:rPr lang="es-MX" smtClean="0"/>
-              <a:t>28/05/2022</a:t>
+              <a:t>03/08/2022</a:t>
             </a:fld>
             <a:endParaRPr lang="es-MX"/>
           </a:p>
@@ -413,7 +413,7 @@
           <a:p>
             <a:fld id="{A4F7A466-0B4C-4C0F-803B-76CC4E5144BD}" type="datetimeFigureOut">
               <a:rPr lang="es-MX" smtClean="0"/>
-              <a:t>28/05/2022</a:t>
+              <a:t>03/08/2022</a:t>
             </a:fld>
             <a:endParaRPr lang="es-MX"/>
           </a:p>
@@ -593,7 +593,7 @@
           <a:p>
             <a:fld id="{A4F7A466-0B4C-4C0F-803B-76CC4E5144BD}" type="datetimeFigureOut">
               <a:rPr lang="es-MX" smtClean="0"/>
-              <a:t>28/05/2022</a:t>
+              <a:t>03/08/2022</a:t>
             </a:fld>
             <a:endParaRPr lang="es-MX"/>
           </a:p>
@@ -763,7 +763,7 @@
           <a:p>
             <a:fld id="{A4F7A466-0B4C-4C0F-803B-76CC4E5144BD}" type="datetimeFigureOut">
               <a:rPr lang="es-MX" smtClean="0"/>
-              <a:t>28/05/2022</a:t>
+              <a:t>03/08/2022</a:t>
             </a:fld>
             <a:endParaRPr lang="es-MX"/>
           </a:p>
@@ -1007,7 +1007,7 @@
           <a:p>
             <a:fld id="{A4F7A466-0B4C-4C0F-803B-76CC4E5144BD}" type="datetimeFigureOut">
               <a:rPr lang="es-MX" smtClean="0"/>
-              <a:t>28/05/2022</a:t>
+              <a:t>03/08/2022</a:t>
             </a:fld>
             <a:endParaRPr lang="es-MX"/>
           </a:p>
@@ -1239,7 +1239,7 @@
           <a:p>
             <a:fld id="{A4F7A466-0B4C-4C0F-803B-76CC4E5144BD}" type="datetimeFigureOut">
               <a:rPr lang="es-MX" smtClean="0"/>
-              <a:t>28/05/2022</a:t>
+              <a:t>03/08/2022</a:t>
             </a:fld>
             <a:endParaRPr lang="es-MX"/>
           </a:p>
@@ -1606,7 +1606,7 @@
           <a:p>
             <a:fld id="{A4F7A466-0B4C-4C0F-803B-76CC4E5144BD}" type="datetimeFigureOut">
               <a:rPr lang="es-MX" smtClean="0"/>
-              <a:t>28/05/2022</a:t>
+              <a:t>03/08/2022</a:t>
             </a:fld>
             <a:endParaRPr lang="es-MX"/>
           </a:p>
@@ -1724,7 +1724,7 @@
           <a:p>
             <a:fld id="{A4F7A466-0B4C-4C0F-803B-76CC4E5144BD}" type="datetimeFigureOut">
               <a:rPr lang="es-MX" smtClean="0"/>
-              <a:t>28/05/2022</a:t>
+              <a:t>03/08/2022</a:t>
             </a:fld>
             <a:endParaRPr lang="es-MX"/>
           </a:p>
@@ -1819,7 +1819,7 @@
           <a:p>
             <a:fld id="{A4F7A466-0B4C-4C0F-803B-76CC4E5144BD}" type="datetimeFigureOut">
               <a:rPr lang="es-MX" smtClean="0"/>
-              <a:t>28/05/2022</a:t>
+              <a:t>03/08/2022</a:t>
             </a:fld>
             <a:endParaRPr lang="es-MX"/>
           </a:p>
@@ -2096,7 +2096,7 @@
           <a:p>
             <a:fld id="{A4F7A466-0B4C-4C0F-803B-76CC4E5144BD}" type="datetimeFigureOut">
               <a:rPr lang="es-MX" smtClean="0"/>
-              <a:t>28/05/2022</a:t>
+              <a:t>03/08/2022</a:t>
             </a:fld>
             <a:endParaRPr lang="es-MX"/>
           </a:p>
@@ -2353,7 +2353,7 @@
           <a:p>
             <a:fld id="{A4F7A466-0B4C-4C0F-803B-76CC4E5144BD}" type="datetimeFigureOut">
               <a:rPr lang="es-MX" smtClean="0"/>
-              <a:t>28/05/2022</a:t>
+              <a:t>03/08/2022</a:t>
             </a:fld>
             <a:endParaRPr lang="es-MX"/>
           </a:p>
@@ -2566,7 +2566,7 @@
           <a:p>
             <a:fld id="{A4F7A466-0B4C-4C0F-803B-76CC4E5144BD}" type="datetimeFigureOut">
               <a:rPr lang="es-MX" smtClean="0"/>
-              <a:t>28/05/2022</a:t>
+              <a:t>03/08/2022</a:t>
             </a:fld>
             <a:endParaRPr lang="es-MX"/>
           </a:p>
@@ -2993,8 +2993,8 @@
         </p:blipFill>
         <p:spPr>
           <a:xfrm>
-            <a:off x="30130" y="0"/>
-            <a:ext cx="4317881" cy="8638049"/>
+            <a:off x="30130" y="1"/>
+            <a:ext cx="4317881" cy="8638047"/>
           </a:xfrm>
           <a:prstGeom prst="rect">
             <a:avLst/>
